--- a/Blade Maiden.pptx
+++ b/Blade Maiden.pptx
@@ -268,7 +268,7 @@
           <a:p>
             <a:fld id="{4D017C86-7D21-4887-921A-A7D43838CAA1}" type="datetimeFigureOut">
               <a:rPr kumimoji="1" lang="ja-JP" altLang="en-US" smtClean="0"/>
-              <a:t>2025/1/29</a:t>
+              <a:t>2025/1/30</a:t>
             </a:fld>
             <a:endParaRPr kumimoji="1" lang="ja-JP" altLang="en-US"/>
           </a:p>
@@ -498,7 +498,7 @@
           <a:p>
             <a:fld id="{4D017C86-7D21-4887-921A-A7D43838CAA1}" type="datetimeFigureOut">
               <a:rPr kumimoji="1" lang="ja-JP" altLang="en-US" smtClean="0"/>
-              <a:t>2025/1/29</a:t>
+              <a:t>2025/1/30</a:t>
             </a:fld>
             <a:endParaRPr kumimoji="1" lang="ja-JP" altLang="en-US"/>
           </a:p>
@@ -738,7 +738,7 @@
           <a:p>
             <a:fld id="{4D017C86-7D21-4887-921A-A7D43838CAA1}" type="datetimeFigureOut">
               <a:rPr kumimoji="1" lang="ja-JP" altLang="en-US" smtClean="0"/>
-              <a:t>2025/1/29</a:t>
+              <a:t>2025/1/30</a:t>
             </a:fld>
             <a:endParaRPr kumimoji="1" lang="ja-JP" altLang="en-US"/>
           </a:p>
@@ -968,7 +968,7 @@
           <a:p>
             <a:fld id="{4D017C86-7D21-4887-921A-A7D43838CAA1}" type="datetimeFigureOut">
               <a:rPr kumimoji="1" lang="ja-JP" altLang="en-US" smtClean="0"/>
-              <a:t>2025/1/29</a:t>
+              <a:t>2025/1/30</a:t>
             </a:fld>
             <a:endParaRPr kumimoji="1" lang="ja-JP" altLang="en-US"/>
           </a:p>
@@ -1243,7 +1243,7 @@
           <a:p>
             <a:fld id="{4D017C86-7D21-4887-921A-A7D43838CAA1}" type="datetimeFigureOut">
               <a:rPr kumimoji="1" lang="ja-JP" altLang="en-US" smtClean="0"/>
-              <a:t>2025/1/29</a:t>
+              <a:t>2025/1/30</a:t>
             </a:fld>
             <a:endParaRPr kumimoji="1" lang="ja-JP" altLang="en-US"/>
           </a:p>
@@ -1572,7 +1572,7 @@
           <a:p>
             <a:fld id="{4D017C86-7D21-4887-921A-A7D43838CAA1}" type="datetimeFigureOut">
               <a:rPr kumimoji="1" lang="ja-JP" altLang="en-US" smtClean="0"/>
-              <a:t>2025/1/29</a:t>
+              <a:t>2025/1/30</a:t>
             </a:fld>
             <a:endParaRPr kumimoji="1" lang="ja-JP" altLang="en-US"/>
           </a:p>
@@ -2048,7 +2048,7 @@
           <a:p>
             <a:fld id="{4D017C86-7D21-4887-921A-A7D43838CAA1}" type="datetimeFigureOut">
               <a:rPr kumimoji="1" lang="ja-JP" altLang="en-US" smtClean="0"/>
-              <a:t>2025/1/29</a:t>
+              <a:t>2025/1/30</a:t>
             </a:fld>
             <a:endParaRPr kumimoji="1" lang="ja-JP" altLang="en-US"/>
           </a:p>
@@ -2189,7 +2189,7 @@
           <a:p>
             <a:fld id="{4D017C86-7D21-4887-921A-A7D43838CAA1}" type="datetimeFigureOut">
               <a:rPr kumimoji="1" lang="ja-JP" altLang="en-US" smtClean="0"/>
-              <a:t>2025/1/29</a:t>
+              <a:t>2025/1/30</a:t>
             </a:fld>
             <a:endParaRPr kumimoji="1" lang="ja-JP" altLang="en-US"/>
           </a:p>
@@ -2302,7 +2302,7 @@
           <a:p>
             <a:fld id="{4D017C86-7D21-4887-921A-A7D43838CAA1}" type="datetimeFigureOut">
               <a:rPr kumimoji="1" lang="ja-JP" altLang="en-US" smtClean="0"/>
-              <a:t>2025/1/29</a:t>
+              <a:t>2025/1/30</a:t>
             </a:fld>
             <a:endParaRPr kumimoji="1" lang="ja-JP" altLang="en-US"/>
           </a:p>
@@ -2645,7 +2645,7 @@
           <a:p>
             <a:fld id="{4D017C86-7D21-4887-921A-A7D43838CAA1}" type="datetimeFigureOut">
               <a:rPr kumimoji="1" lang="ja-JP" altLang="en-US" smtClean="0"/>
-              <a:t>2025/1/29</a:t>
+              <a:t>2025/1/30</a:t>
             </a:fld>
             <a:endParaRPr kumimoji="1" lang="ja-JP" altLang="en-US"/>
           </a:p>
@@ -2933,7 +2933,7 @@
           <a:p>
             <a:fld id="{4D017C86-7D21-4887-921A-A7D43838CAA1}" type="datetimeFigureOut">
               <a:rPr kumimoji="1" lang="ja-JP" altLang="en-US" smtClean="0"/>
-              <a:t>2025/1/29</a:t>
+              <a:t>2025/1/30</a:t>
             </a:fld>
             <a:endParaRPr kumimoji="1" lang="ja-JP" altLang="en-US"/>
           </a:p>
@@ -3206,7 +3206,7 @@
           <a:p>
             <a:fld id="{4D017C86-7D21-4887-921A-A7D43838CAA1}" type="datetimeFigureOut">
               <a:rPr kumimoji="1" lang="ja-JP" altLang="en-US" smtClean="0"/>
-              <a:t>2025/1/29</a:t>
+              <a:t>2025/1/30</a:t>
             </a:fld>
             <a:endParaRPr kumimoji="1" lang="ja-JP" altLang="en-US"/>
           </a:p>
@@ -4281,6 +4281,47 @@
           </a:prstGeom>
         </p:spPr>
       </p:pic>
+      <p:pic>
+        <p:nvPicPr>
+          <p:cNvPr id="21" name="図 20">
+            <a:extLst>
+              <a:ext uri="{FF2B5EF4-FFF2-40B4-BE49-F238E27FC236}">
+                <a16:creationId xmlns:a16="http://schemas.microsoft.com/office/drawing/2014/main" id="{6E826F01-20F9-45E6-8F09-439CD18959C8}"/>
+              </a:ext>
+            </a:extLst>
+          </p:cNvPr>
+          <p:cNvPicPr>
+            <a:picLocks noChangeAspect="1"/>
+          </p:cNvPicPr>
+          <p:nvPr/>
+        </p:nvPicPr>
+        <p:blipFill>
+          <a:blip r:embed="rId3">
+            <a:extLst>
+              <a:ext uri="{28A0092B-C50C-407E-A947-70E740481C1C}">
+                <a14:useLocalDpi xmlns:a14="http://schemas.microsoft.com/office/drawing/2010/main" val="0"/>
+              </a:ext>
+            </a:extLst>
+          </a:blip>
+          <a:stretch>
+            <a:fillRect/>
+          </a:stretch>
+        </p:blipFill>
+        <p:spPr>
+          <a:xfrm>
+            <a:off x="370994" y="2224569"/>
+            <a:ext cx="3167718" cy="1775707"/>
+          </a:xfrm>
+          <a:prstGeom prst="rect">
+            <a:avLst/>
+          </a:prstGeom>
+          <a:ln>
+            <a:solidFill>
+              <a:schemeClr val="bg1"/>
+            </a:solidFill>
+          </a:ln>
+        </p:spPr>
+      </p:pic>
       <p:grpSp>
         <p:nvGrpSpPr>
           <p:cNvPr id="13" name="グループ化 12">
@@ -4357,7 +4398,7 @@
             <p:nvPr/>
           </p:nvPicPr>
           <p:blipFill>
-            <a:blip r:embed="rId3">
+            <a:blip r:embed="rId4">
               <a:extLst>
                 <a:ext uri="{28A0092B-C50C-407E-A947-70E740481C1C}">
                   <a14:useLocalDpi xmlns:a14="http://schemas.microsoft.com/office/drawing/2010/main" val="0"/>
@@ -4456,21 +4497,24 @@
             <a:r>
               <a:rPr kumimoji="1" lang="ja-JP" altLang="en-US" sz="3200" dirty="0">
                 <a:ln w="6350">
-                  <a:solidFill>
-                    <a:schemeClr val="bg1"/>
-                  </a:solidFill>
+                  <a:noFill/>
                 </a:ln>
                 <a:gradFill>
                   <a:gsLst>
                     <a:gs pos="0">
-                      <a:srgbClr val="F093FB"/>
+                      <a:srgbClr val="F6BAFC"/>
                     </a:gs>
                     <a:gs pos="100000">
-                      <a:srgbClr val="F5576C"/>
+                      <a:srgbClr val="F67285"/>
                     </a:gs>
                   </a:gsLst>
                   <a:lin ang="5400000" scaled="1"/>
                 </a:gradFill>
+                <a:effectLst>
+                  <a:outerShdw blurRad="50800" dist="50800" dir="5400000" algn="ctr" rotWithShape="0">
+                    <a:schemeClr val="tx1"/>
+                  </a:outerShdw>
+                </a:effectLst>
                 <a:latin typeface="HGP明朝E" panose="02020900000000000000" pitchFamily="18" charset="-128"/>
                 <a:ea typeface="HGP明朝E" panose="02020900000000000000" pitchFamily="18" charset="-128"/>
               </a:rPr>
@@ -4496,33 +4540,29 @@
             <a:r>
               <a:rPr lang="ja-JP" altLang="en-US" sz="3200" dirty="0">
                 <a:ln w="6350">
-                  <a:solidFill>
-                    <a:schemeClr val="bg1"/>
-                  </a:solidFill>
+                  <a:noFill/>
                 </a:ln>
                 <a:gradFill>
                   <a:gsLst>
                     <a:gs pos="0">
-                      <a:srgbClr val="F093FB"/>
+                      <a:srgbClr val="F6BAFC"/>
                     </a:gs>
                     <a:gs pos="100000">
-                      <a:srgbClr val="F5576C"/>
+                      <a:srgbClr val="F67285"/>
                     </a:gs>
                   </a:gsLst>
                   <a:lin ang="5400000" scaled="1"/>
                 </a:gradFill>
+                <a:effectLst>
+                  <a:outerShdw blurRad="50800" dist="50800" dir="5400000" algn="ctr" rotWithShape="0">
+                    <a:schemeClr val="tx1"/>
+                  </a:outerShdw>
+                </a:effectLst>
                 <a:latin typeface="HGP明朝E" panose="02020900000000000000" pitchFamily="18" charset="-128"/>
                 <a:ea typeface="HGP明朝E" panose="02020900000000000000" pitchFamily="18" charset="-128"/>
               </a:rPr>
               <a:t>敵を翻弄し撃破する</a:t>
             </a:r>
-            <a:endParaRPr kumimoji="1" lang="ja-JP" altLang="en-US" sz="4000" dirty="0">
-              <a:solidFill>
-                <a:schemeClr val="bg1"/>
-              </a:solidFill>
-              <a:latin typeface="HGP明朝E" panose="02020900000000000000" pitchFamily="18" charset="-128"/>
-              <a:ea typeface="HGP明朝E" panose="02020900000000000000" pitchFamily="18" charset="-128"/>
-            </a:endParaRPr>
           </a:p>
         </p:txBody>
       </p:sp>
@@ -4556,11 +4596,6 @@
           <a:p>
             <a:r>
               <a:rPr kumimoji="1" lang="ja-JP" altLang="en-US" sz="4000" dirty="0">
-                <a:ln>
-                  <a:solidFill>
-                    <a:schemeClr val="tx1"/>
-                  </a:solidFill>
-                </a:ln>
                 <a:gradFill>
                   <a:gsLst>
                     <a:gs pos="0">
@@ -4572,10 +4607,409 @@
                   </a:gsLst>
                   <a:lin ang="5400000" scaled="1"/>
                 </a:gradFill>
+                <a:effectLst>
+                  <a:outerShdw blurRad="50800" dist="50800" dir="5400000" algn="ctr" rotWithShape="0">
+                    <a:schemeClr val="tx1"/>
+                  </a:outerShdw>
+                </a:effectLst>
                 <a:latin typeface="HGP明朝E" panose="02020900000000000000" pitchFamily="18" charset="-128"/>
                 <a:ea typeface="HGP明朝E" panose="02020900000000000000" pitchFamily="18" charset="-128"/>
               </a:rPr>
               <a:t>爽快感</a:t>
+            </a:r>
+          </a:p>
+        </p:txBody>
+      </p:sp>
+      <p:grpSp>
+        <p:nvGrpSpPr>
+          <p:cNvPr id="8" name="グループ化 7">
+            <a:extLst>
+              <a:ext uri="{FF2B5EF4-FFF2-40B4-BE49-F238E27FC236}">
+                <a16:creationId xmlns:a16="http://schemas.microsoft.com/office/drawing/2014/main" id="{8980F016-35D4-4949-B367-867593C1532A}"/>
+              </a:ext>
+            </a:extLst>
+          </p:cNvPr>
+          <p:cNvGrpSpPr/>
+          <p:nvPr/>
+        </p:nvGrpSpPr>
+        <p:grpSpPr>
+          <a:xfrm>
+            <a:off x="780612" y="1704418"/>
+            <a:ext cx="2209800" cy="285560"/>
+            <a:chOff x="2808624" y="3242731"/>
+            <a:chExt cx="2209800" cy="608177"/>
+          </a:xfrm>
+        </p:grpSpPr>
+        <p:sp>
+          <p:nvSpPr>
+            <p:cNvPr id="6" name="正方形/長方形 5">
+              <a:extLst>
+                <a:ext uri="{FF2B5EF4-FFF2-40B4-BE49-F238E27FC236}">
+                  <a16:creationId xmlns:a16="http://schemas.microsoft.com/office/drawing/2014/main" id="{27EAD108-B4DD-42B8-A62E-88FF3DB92EDE}"/>
+                </a:ext>
+              </a:extLst>
+            </p:cNvPr>
+            <p:cNvSpPr/>
+            <p:nvPr/>
+          </p:nvSpPr>
+          <p:spPr>
+            <a:xfrm>
+              <a:off x="2808624" y="3255175"/>
+              <a:ext cx="2209800" cy="590346"/>
+            </a:xfrm>
+            <a:prstGeom prst="rect">
+              <a:avLst/>
+            </a:prstGeom>
+            <a:solidFill>
+              <a:schemeClr val="dk1">
+                <a:alpha val="70000"/>
+              </a:schemeClr>
+            </a:solidFill>
+          </p:spPr>
+          <p:style>
+            <a:lnRef idx="2">
+              <a:schemeClr val="dk1">
+                <a:shade val="50000"/>
+              </a:schemeClr>
+            </a:lnRef>
+            <a:fillRef idx="1">
+              <a:schemeClr val="dk1"/>
+            </a:fillRef>
+            <a:effectRef idx="0">
+              <a:schemeClr val="dk1"/>
+            </a:effectRef>
+            <a:fontRef idx="minor">
+              <a:schemeClr val="lt1"/>
+            </a:fontRef>
+          </p:style>
+          <p:txBody>
+            <a:bodyPr rtlCol="0" anchor="ctr"/>
+            <a:lstStyle/>
+            <a:p>
+              <a:pPr algn="ctr"/>
+              <a:endParaRPr kumimoji="1" lang="ja-JP" altLang="en-US"/>
+            </a:p>
+          </p:txBody>
+        </p:sp>
+        <p:cxnSp>
+          <p:nvCxnSpPr>
+            <p:cNvPr id="3" name="直線コネクタ 2">
+              <a:extLst>
+                <a:ext uri="{FF2B5EF4-FFF2-40B4-BE49-F238E27FC236}">
+                  <a16:creationId xmlns:a16="http://schemas.microsoft.com/office/drawing/2014/main" id="{3B3DC8DF-7FAE-433F-8605-5149AFBFBEA7}"/>
+                </a:ext>
+              </a:extLst>
+            </p:cNvPr>
+            <p:cNvCxnSpPr/>
+            <p:nvPr/>
+          </p:nvCxnSpPr>
+          <p:spPr>
+            <a:xfrm>
+              <a:off x="2808624" y="3242731"/>
+              <a:ext cx="2209800" cy="0"/>
+            </a:xfrm>
+            <a:prstGeom prst="line">
+              <a:avLst/>
+            </a:prstGeom>
+            <a:ln>
+              <a:solidFill>
+                <a:schemeClr val="bg1"/>
+              </a:solidFill>
+            </a:ln>
+          </p:spPr>
+          <p:style>
+            <a:lnRef idx="1">
+              <a:schemeClr val="accent1"/>
+            </a:lnRef>
+            <a:fillRef idx="0">
+              <a:schemeClr val="accent1"/>
+            </a:fillRef>
+            <a:effectRef idx="0">
+              <a:schemeClr val="accent1"/>
+            </a:effectRef>
+            <a:fontRef idx="minor">
+              <a:schemeClr val="tx1"/>
+            </a:fontRef>
+          </p:style>
+        </p:cxnSp>
+        <p:cxnSp>
+          <p:nvCxnSpPr>
+            <p:cNvPr id="12" name="直線コネクタ 11">
+              <a:extLst>
+                <a:ext uri="{FF2B5EF4-FFF2-40B4-BE49-F238E27FC236}">
+                  <a16:creationId xmlns:a16="http://schemas.microsoft.com/office/drawing/2014/main" id="{5BADDE20-E24B-444D-9BFA-CAA4BFE3B3A7}"/>
+                </a:ext>
+              </a:extLst>
+            </p:cNvPr>
+            <p:cNvCxnSpPr/>
+            <p:nvPr/>
+          </p:nvCxnSpPr>
+          <p:spPr>
+            <a:xfrm>
+              <a:off x="2808624" y="3850908"/>
+              <a:ext cx="2209800" cy="0"/>
+            </a:xfrm>
+            <a:prstGeom prst="line">
+              <a:avLst/>
+            </a:prstGeom>
+            <a:ln>
+              <a:solidFill>
+                <a:schemeClr val="bg1"/>
+              </a:solidFill>
+            </a:ln>
+          </p:spPr>
+          <p:style>
+            <a:lnRef idx="1">
+              <a:schemeClr val="dk1"/>
+            </a:lnRef>
+            <a:fillRef idx="0">
+              <a:schemeClr val="dk1"/>
+            </a:fillRef>
+            <a:effectRef idx="0">
+              <a:schemeClr val="dk1"/>
+            </a:effectRef>
+            <a:fontRef idx="minor">
+              <a:schemeClr val="tx1"/>
+            </a:fontRef>
+          </p:style>
+        </p:cxnSp>
+      </p:grpSp>
+      <p:sp>
+        <p:nvSpPr>
+          <p:cNvPr id="17" name="テキスト ボックス 16">
+            <a:extLst>
+              <a:ext uri="{FF2B5EF4-FFF2-40B4-BE49-F238E27FC236}">
+                <a16:creationId xmlns:a16="http://schemas.microsoft.com/office/drawing/2014/main" id="{2FA2F2D0-AE70-43A9-8941-640691CD840C}"/>
+              </a:ext>
+            </a:extLst>
+          </p:cNvPr>
+          <p:cNvSpPr txBox="1"/>
+          <p:nvPr/>
+        </p:nvSpPr>
+        <p:spPr>
+          <a:xfrm>
+            <a:off x="1376399" y="1663538"/>
+            <a:ext cx="1107996" cy="369332"/>
+          </a:xfrm>
+          <a:prstGeom prst="rect">
+            <a:avLst/>
+          </a:prstGeom>
+          <a:noFill/>
+        </p:spPr>
+        <p:txBody>
+          <a:bodyPr wrap="none" rtlCol="0">
+            <a:spAutoFit/>
+          </a:bodyPr>
+          <a:lstStyle/>
+          <a:p>
+            <a:r>
+              <a:rPr kumimoji="1" lang="ja-JP" altLang="en-US" dirty="0">
+                <a:solidFill>
+                  <a:schemeClr val="bg1"/>
+                </a:solidFill>
+                <a:latin typeface="HGS明朝E" panose="02020900000000000000" pitchFamily="18" charset="-128"/>
+                <a:ea typeface="HGS明朝E" panose="02020900000000000000" pitchFamily="18" charset="-128"/>
+              </a:rPr>
+              <a:t>基本操作</a:t>
+            </a:r>
+          </a:p>
+        </p:txBody>
+      </p:sp>
+      <p:sp>
+        <p:nvSpPr>
+          <p:cNvPr id="18" name="テキスト ボックス 17">
+            <a:extLst>
+              <a:ext uri="{FF2B5EF4-FFF2-40B4-BE49-F238E27FC236}">
+                <a16:creationId xmlns:a16="http://schemas.microsoft.com/office/drawing/2014/main" id="{2E7D186E-3D65-40F4-931A-FD257232E8C7}"/>
+              </a:ext>
+            </a:extLst>
+          </p:cNvPr>
+          <p:cNvSpPr txBox="1"/>
+          <p:nvPr/>
+        </p:nvSpPr>
+        <p:spPr>
+          <a:xfrm>
+            <a:off x="515127" y="3507718"/>
+            <a:ext cx="3023585" cy="369332"/>
+          </a:xfrm>
+          <a:prstGeom prst="rect">
+            <a:avLst/>
+          </a:prstGeom>
+          <a:noFill/>
+        </p:spPr>
+        <p:txBody>
+          <a:bodyPr wrap="none" rtlCol="0">
+            <a:spAutoFit/>
+          </a:bodyPr>
+          <a:lstStyle/>
+          <a:p>
+            <a:r>
+              <a:rPr kumimoji="1" lang="ja-JP" altLang="en-US" dirty="0">
+                <a:ln w="0">
+                  <a:noFill/>
+                </a:ln>
+                <a:gradFill>
+                  <a:gsLst>
+                    <a:gs pos="0">
+                      <a:srgbClr val="F4D8D0"/>
+                    </a:gs>
+                    <a:gs pos="100000">
+                      <a:srgbClr val="CC0000"/>
+                    </a:gs>
+                  </a:gsLst>
+                  <a:lin ang="5400000" scaled="1"/>
+                </a:gradFill>
+                <a:effectLst>
+                  <a:outerShdw blurRad="50800" dist="50800" dir="5400000" algn="ctr" rotWithShape="0">
+                    <a:schemeClr val="bg1">
+                      <a:lumMod val="75000"/>
+                    </a:schemeClr>
+                  </a:outerShdw>
+                </a:effectLst>
+                <a:latin typeface="HGS明朝E" panose="02020900000000000000" pitchFamily="18" charset="-128"/>
+                <a:ea typeface="HGS明朝E" panose="02020900000000000000" pitchFamily="18" charset="-128"/>
+              </a:rPr>
+              <a:t>三人称視点</a:t>
+            </a:r>
+            <a:r>
+              <a:rPr kumimoji="1" lang="ja-JP" altLang="en-US" dirty="0">
+                <a:solidFill>
+                  <a:schemeClr val="bg1"/>
+                </a:solidFill>
+                <a:latin typeface="HGS明朝E" panose="02020900000000000000" pitchFamily="18" charset="-128"/>
+                <a:ea typeface="HGS明朝E" panose="02020900000000000000" pitchFamily="18" charset="-128"/>
+              </a:rPr>
+              <a:t>の</a:t>
+            </a:r>
+            <a:r>
+              <a:rPr lang="en-US" altLang="ja-JP" dirty="0">
+                <a:ln w="0">
+                  <a:noFill/>
+                </a:ln>
+                <a:gradFill>
+                  <a:gsLst>
+                    <a:gs pos="0">
+                      <a:srgbClr val="F4D8D0"/>
+                    </a:gs>
+                    <a:gs pos="100000">
+                      <a:srgbClr val="CC0000"/>
+                    </a:gs>
+                  </a:gsLst>
+                  <a:lin ang="5400000" scaled="1"/>
+                </a:gradFill>
+                <a:effectLst>
+                  <a:outerShdw blurRad="50800" dist="50800" dir="5400000" algn="ctr" rotWithShape="0">
+                    <a:schemeClr val="bg1">
+                      <a:lumMod val="75000"/>
+                    </a:schemeClr>
+                  </a:outerShdw>
+                </a:effectLst>
+                <a:latin typeface="HGS明朝E" panose="02020900000000000000" pitchFamily="18" charset="-128"/>
+                <a:ea typeface="HGS明朝E" panose="02020900000000000000" pitchFamily="18" charset="-128"/>
+              </a:rPr>
+              <a:t>3D</a:t>
+            </a:r>
+            <a:r>
+              <a:rPr lang="ja-JP" altLang="en-US" dirty="0">
+                <a:ln w="0">
+                  <a:noFill/>
+                </a:ln>
+                <a:gradFill>
+                  <a:gsLst>
+                    <a:gs pos="0">
+                      <a:srgbClr val="F4D8D0"/>
+                    </a:gs>
+                    <a:gs pos="100000">
+                      <a:srgbClr val="CC0000"/>
+                    </a:gs>
+                  </a:gsLst>
+                  <a:lin ang="5400000" scaled="1"/>
+                </a:gradFill>
+                <a:effectLst>
+                  <a:outerShdw blurRad="50800" dist="50800" dir="5400000" algn="ctr" rotWithShape="0">
+                    <a:schemeClr val="bg1">
+                      <a:lumMod val="75000"/>
+                    </a:schemeClr>
+                  </a:outerShdw>
+                </a:effectLst>
+                <a:latin typeface="HGS明朝E" panose="02020900000000000000" pitchFamily="18" charset="-128"/>
+                <a:ea typeface="HGS明朝E" panose="02020900000000000000" pitchFamily="18" charset="-128"/>
+              </a:rPr>
+              <a:t>アクション</a:t>
+            </a:r>
+          </a:p>
+        </p:txBody>
+      </p:sp>
+      <p:pic>
+        <p:nvPicPr>
+          <p:cNvPr id="25" name="図 24">
+            <a:extLst>
+              <a:ext uri="{FF2B5EF4-FFF2-40B4-BE49-F238E27FC236}">
+                <a16:creationId xmlns:a16="http://schemas.microsoft.com/office/drawing/2014/main" id="{E9D7CF44-07C4-4EB3-8F1B-9FCA94B7B63F}"/>
+              </a:ext>
+            </a:extLst>
+          </p:cNvPr>
+          <p:cNvPicPr>
+            <a:picLocks noChangeAspect="1"/>
+          </p:cNvPicPr>
+          <p:nvPr/>
+        </p:nvPicPr>
+        <p:blipFill>
+          <a:blip r:embed="rId5">
+            <a:extLst>
+              <a:ext uri="{28A0092B-C50C-407E-A947-70E740481C1C}">
+                <a14:useLocalDpi xmlns:a14="http://schemas.microsoft.com/office/drawing/2010/main" val="0"/>
+              </a:ext>
+            </a:extLst>
+          </a:blip>
+          <a:stretch>
+            <a:fillRect/>
+          </a:stretch>
+        </p:blipFill>
+        <p:spPr>
+          <a:xfrm>
+            <a:off x="370994" y="4087588"/>
+            <a:ext cx="3167718" cy="1616628"/>
+          </a:xfrm>
+          <a:prstGeom prst="rect">
+            <a:avLst/>
+          </a:prstGeom>
+        </p:spPr>
+      </p:pic>
+      <p:sp>
+        <p:nvSpPr>
+          <p:cNvPr id="26" name="テキスト ボックス 25">
+            <a:extLst>
+              <a:ext uri="{FF2B5EF4-FFF2-40B4-BE49-F238E27FC236}">
+                <a16:creationId xmlns:a16="http://schemas.microsoft.com/office/drawing/2014/main" id="{FF3C9293-3A53-4316-AB5B-56A0BA83FD44}"/>
+              </a:ext>
+            </a:extLst>
+          </p:cNvPr>
+          <p:cNvSpPr txBox="1"/>
+          <p:nvPr/>
+        </p:nvSpPr>
+        <p:spPr>
+          <a:xfrm>
+            <a:off x="5384800" y="4257964"/>
+            <a:ext cx="1800493" cy="369332"/>
+          </a:xfrm>
+          <a:prstGeom prst="rect">
+            <a:avLst/>
+          </a:prstGeom>
+          <a:noFill/>
+        </p:spPr>
+        <p:txBody>
+          <a:bodyPr wrap="none" rtlCol="0">
+            <a:spAutoFit/>
+          </a:bodyPr>
+          <a:lstStyle/>
+          <a:p>
+            <a:r>
+              <a:rPr kumimoji="1" lang="ja-JP" altLang="en-US" dirty="0">
+                <a:latin typeface="HGS明朝E" panose="02020900000000000000" pitchFamily="18" charset="-128"/>
+                <a:ea typeface="HGS明朝E" panose="02020900000000000000" pitchFamily="18" charset="-128"/>
+              </a:rPr>
+              <a:t>敵の攻撃を回避</a:t>
             </a:r>
           </a:p>
         </p:txBody>
@@ -6100,6 +6534,23 @@
 </file>
 
 <file path=customXml/item1.xml><?xml version="1.0" encoding="utf-8"?>
+<p:properties xmlns:p="http://schemas.microsoft.com/office/2006/metadata/properties" xmlns:xsi="http://www.w3.org/2001/XMLSchema-instance" xmlns:pc="http://schemas.microsoft.com/office/infopath/2007/PartnerControls">
+  <documentManagement>
+    <_activity xmlns="599eecd9-2310-4b0b-9e92-9d18ba11b74d" xsi:nil="true"/>
+  </documentManagement>
+</p:properties>
+</file>
+
+<file path=customXml/item2.xml><?xml version="1.0" encoding="utf-8"?>
+<?mso-contentType ?>
+<FormTemplates xmlns="http://schemas.microsoft.com/sharepoint/v3/contenttype/forms">
+  <Display>DocumentLibraryForm</Display>
+  <Edit>DocumentLibraryForm</Edit>
+  <New>DocumentLibraryForm</New>
+</FormTemplates>
+</file>
+
+<file path=customXml/item3.xml><?xml version="1.0" encoding="utf-8"?>
 <ct:contentTypeSchema xmlns:ct="http://schemas.microsoft.com/office/2006/metadata/contentType" xmlns:ma="http://schemas.microsoft.com/office/2006/metadata/properties/metaAttributes" ct:_="" ma:_="" ma:contentTypeName="ドキュメント" ma:contentTypeID="0x0101008AC1ACA19E75DE40A2955B34AFBB6978" ma:contentTypeVersion="11" ma:contentTypeDescription="新しいドキュメントを作成します。" ma:contentTypeScope="" ma:versionID="45d7ae050d4807d6f9ae25203d75298f">
   <xsd:schema xmlns:xsd="http://www.w3.org/2001/XMLSchema" xmlns:xs="http://www.w3.org/2001/XMLSchema" xmlns:p="http://schemas.microsoft.com/office/2006/metadata/properties" xmlns:ns3="599eecd9-2310-4b0b-9e92-9d18ba11b74d" targetNamespace="http://schemas.microsoft.com/office/2006/metadata/properties" ma:root="true" ma:fieldsID="44c22c89b2c5bdbdcfa9ee5c38a765c3" ns3:_="">
     <xsd:import namespace="599eecd9-2310-4b0b-9e92-9d18ba11b74d"/>
@@ -6287,24 +6738,31 @@
 </ct:contentTypeSchema>
 </file>
 
-<file path=customXml/item2.xml><?xml version="1.0" encoding="utf-8"?>
-<?mso-contentType ?>
-<FormTemplates xmlns="http://schemas.microsoft.com/sharepoint/v3/contenttype/forms">
-  <Display>DocumentLibraryForm</Display>
-  <Edit>DocumentLibraryForm</Edit>
-  <New>DocumentLibraryForm</New>
-</FormTemplates>
+<file path=customXml/itemProps1.xml><?xml version="1.0" encoding="utf-8"?>
+<ds:datastoreItem xmlns:ds="http://schemas.openxmlformats.org/officeDocument/2006/customXml" ds:itemID="{2648AD9E-5065-4CB3-87D4-FFF72FE18C28}">
+  <ds:schemaRefs>
+    <ds:schemaRef ds:uri="http://schemas.microsoft.com/office/2006/metadata/properties"/>
+    <ds:schemaRef ds:uri="599eecd9-2310-4b0b-9e92-9d18ba11b74d"/>
+    <ds:schemaRef ds:uri="http://www.w3.org/XML/1998/namespace"/>
+    <ds:schemaRef ds:uri="http://schemas.microsoft.com/office/infopath/2007/PartnerControls"/>
+    <ds:schemaRef ds:uri="http://purl.org/dc/terms/"/>
+    <ds:schemaRef ds:uri="http://schemas.microsoft.com/office/2006/documentManagement/types"/>
+    <ds:schemaRef ds:uri="http://purl.org/dc/elements/1.1/"/>
+    <ds:schemaRef ds:uri="http://schemas.openxmlformats.org/package/2006/metadata/core-properties"/>
+    <ds:schemaRef ds:uri="http://purl.org/dc/dcmitype/"/>
+  </ds:schemaRefs>
+</ds:datastoreItem>
 </file>
 
-<file path=customXml/item3.xml><?xml version="1.0" encoding="utf-8"?>
-<p:properties xmlns:p="http://schemas.microsoft.com/office/2006/metadata/properties" xmlns:xsi="http://www.w3.org/2001/XMLSchema-instance" xmlns:pc="http://schemas.microsoft.com/office/infopath/2007/PartnerControls">
-  <documentManagement>
-    <_activity xmlns="599eecd9-2310-4b0b-9e92-9d18ba11b74d" xsi:nil="true"/>
-  </documentManagement>
-</p:properties>
+<file path=customXml/itemProps2.xml><?xml version="1.0" encoding="utf-8"?>
+<ds:datastoreItem xmlns:ds="http://schemas.openxmlformats.org/officeDocument/2006/customXml" ds:itemID="{F41A5734-11E0-4D0E-B101-9C96F8DDA22E}">
+  <ds:schemaRefs>
+    <ds:schemaRef ds:uri="http://schemas.microsoft.com/sharepoint/v3/contenttype/forms"/>
+  </ds:schemaRefs>
+</ds:datastoreItem>
 </file>
 
-<file path=customXml/itemProps1.xml><?xml version="1.0" encoding="utf-8"?>
+<file path=customXml/itemProps3.xml><?xml version="1.0" encoding="utf-8"?>
 <ds:datastoreItem xmlns:ds="http://schemas.openxmlformats.org/officeDocument/2006/customXml" ds:itemID="{2B9AB07B-E9D3-4C2F-84F5-90F553112E2C}">
   <ds:schemaRefs>
     <ds:schemaRef ds:uri="http://schemas.microsoft.com/office/2006/metadata/contentType"/>
@@ -6320,28 +6778,4 @@
     <ds:schemaRef ds:uri="http://schemas.microsoft.com/internal/obd"/>
   </ds:schemaRefs>
 </ds:datastoreItem>
-</file>
-
-<file path=customXml/itemProps2.xml><?xml version="1.0" encoding="utf-8"?>
-<ds:datastoreItem xmlns:ds="http://schemas.openxmlformats.org/officeDocument/2006/customXml" ds:itemID="{F41A5734-11E0-4D0E-B101-9C96F8DDA22E}">
-  <ds:schemaRefs>
-    <ds:schemaRef ds:uri="http://schemas.microsoft.com/sharepoint/v3/contenttype/forms"/>
-  </ds:schemaRefs>
-</ds:datastoreItem>
-</file>
-
-<file path=customXml/itemProps3.xml><?xml version="1.0" encoding="utf-8"?>
-<ds:datastoreItem xmlns:ds="http://schemas.openxmlformats.org/officeDocument/2006/customXml" ds:itemID="{2648AD9E-5065-4CB3-87D4-FFF72FE18C28}">
-  <ds:schemaRefs>
-    <ds:schemaRef ds:uri="http://schemas.microsoft.com/office/2006/metadata/properties"/>
-    <ds:schemaRef ds:uri="599eecd9-2310-4b0b-9e92-9d18ba11b74d"/>
-    <ds:schemaRef ds:uri="http://www.w3.org/XML/1998/namespace"/>
-    <ds:schemaRef ds:uri="http://schemas.microsoft.com/office/infopath/2007/PartnerControls"/>
-    <ds:schemaRef ds:uri="http://purl.org/dc/terms/"/>
-    <ds:schemaRef ds:uri="http://schemas.microsoft.com/office/2006/documentManagement/types"/>
-    <ds:schemaRef ds:uri="http://purl.org/dc/elements/1.1/"/>
-    <ds:schemaRef ds:uri="http://schemas.openxmlformats.org/package/2006/metadata/core-properties"/>
-    <ds:schemaRef ds:uri="http://purl.org/dc/dcmitype/"/>
-  </ds:schemaRefs>
-</ds:datastoreItem>
 </file>
--- a/Blade Maiden.pptx
+++ b/Blade Maiden.pptx
@@ -268,7 +268,7 @@
           <a:p>
             <a:fld id="{4D017C86-7D21-4887-921A-A7D43838CAA1}" type="datetimeFigureOut">
               <a:rPr kumimoji="1" lang="ja-JP" altLang="en-US" smtClean="0"/>
-              <a:t>2025/1/30</a:t>
+              <a:t>2025/1/31</a:t>
             </a:fld>
             <a:endParaRPr kumimoji="1" lang="ja-JP" altLang="en-US"/>
           </a:p>
@@ -498,7 +498,7 @@
           <a:p>
             <a:fld id="{4D017C86-7D21-4887-921A-A7D43838CAA1}" type="datetimeFigureOut">
               <a:rPr kumimoji="1" lang="ja-JP" altLang="en-US" smtClean="0"/>
-              <a:t>2025/1/30</a:t>
+              <a:t>2025/1/31</a:t>
             </a:fld>
             <a:endParaRPr kumimoji="1" lang="ja-JP" altLang="en-US"/>
           </a:p>
@@ -738,7 +738,7 @@
           <a:p>
             <a:fld id="{4D017C86-7D21-4887-921A-A7D43838CAA1}" type="datetimeFigureOut">
               <a:rPr kumimoji="1" lang="ja-JP" altLang="en-US" smtClean="0"/>
-              <a:t>2025/1/30</a:t>
+              <a:t>2025/1/31</a:t>
             </a:fld>
             <a:endParaRPr kumimoji="1" lang="ja-JP" altLang="en-US"/>
           </a:p>
@@ -968,7 +968,7 @@
           <a:p>
             <a:fld id="{4D017C86-7D21-4887-921A-A7D43838CAA1}" type="datetimeFigureOut">
               <a:rPr kumimoji="1" lang="ja-JP" altLang="en-US" smtClean="0"/>
-              <a:t>2025/1/30</a:t>
+              <a:t>2025/1/31</a:t>
             </a:fld>
             <a:endParaRPr kumimoji="1" lang="ja-JP" altLang="en-US"/>
           </a:p>
@@ -1243,7 +1243,7 @@
           <a:p>
             <a:fld id="{4D017C86-7D21-4887-921A-A7D43838CAA1}" type="datetimeFigureOut">
               <a:rPr kumimoji="1" lang="ja-JP" altLang="en-US" smtClean="0"/>
-              <a:t>2025/1/30</a:t>
+              <a:t>2025/1/31</a:t>
             </a:fld>
             <a:endParaRPr kumimoji="1" lang="ja-JP" altLang="en-US"/>
           </a:p>
@@ -1572,7 +1572,7 @@
           <a:p>
             <a:fld id="{4D017C86-7D21-4887-921A-A7D43838CAA1}" type="datetimeFigureOut">
               <a:rPr kumimoji="1" lang="ja-JP" altLang="en-US" smtClean="0"/>
-              <a:t>2025/1/30</a:t>
+              <a:t>2025/1/31</a:t>
             </a:fld>
             <a:endParaRPr kumimoji="1" lang="ja-JP" altLang="en-US"/>
           </a:p>
@@ -2048,7 +2048,7 @@
           <a:p>
             <a:fld id="{4D017C86-7D21-4887-921A-A7D43838CAA1}" type="datetimeFigureOut">
               <a:rPr kumimoji="1" lang="ja-JP" altLang="en-US" smtClean="0"/>
-              <a:t>2025/1/30</a:t>
+              <a:t>2025/1/31</a:t>
             </a:fld>
             <a:endParaRPr kumimoji="1" lang="ja-JP" altLang="en-US"/>
           </a:p>
@@ -2189,7 +2189,7 @@
           <a:p>
             <a:fld id="{4D017C86-7D21-4887-921A-A7D43838CAA1}" type="datetimeFigureOut">
               <a:rPr kumimoji="1" lang="ja-JP" altLang="en-US" smtClean="0"/>
-              <a:t>2025/1/30</a:t>
+              <a:t>2025/1/31</a:t>
             </a:fld>
             <a:endParaRPr kumimoji="1" lang="ja-JP" altLang="en-US"/>
           </a:p>
@@ -2302,7 +2302,7 @@
           <a:p>
             <a:fld id="{4D017C86-7D21-4887-921A-A7D43838CAA1}" type="datetimeFigureOut">
               <a:rPr kumimoji="1" lang="ja-JP" altLang="en-US" smtClean="0"/>
-              <a:t>2025/1/30</a:t>
+              <a:t>2025/1/31</a:t>
             </a:fld>
             <a:endParaRPr kumimoji="1" lang="ja-JP" altLang="en-US"/>
           </a:p>
@@ -2645,7 +2645,7 @@
           <a:p>
             <a:fld id="{4D017C86-7D21-4887-921A-A7D43838CAA1}" type="datetimeFigureOut">
               <a:rPr kumimoji="1" lang="ja-JP" altLang="en-US" smtClean="0"/>
-              <a:t>2025/1/30</a:t>
+              <a:t>2025/1/31</a:t>
             </a:fld>
             <a:endParaRPr kumimoji="1" lang="ja-JP" altLang="en-US"/>
           </a:p>
@@ -2933,7 +2933,7 @@
           <a:p>
             <a:fld id="{4D017C86-7D21-4887-921A-A7D43838CAA1}" type="datetimeFigureOut">
               <a:rPr kumimoji="1" lang="ja-JP" altLang="en-US" smtClean="0"/>
-              <a:t>2025/1/30</a:t>
+              <a:t>2025/1/31</a:t>
             </a:fld>
             <a:endParaRPr kumimoji="1" lang="ja-JP" altLang="en-US"/>
           </a:p>
@@ -3206,7 +3206,7 @@
           <a:p>
             <a:fld id="{4D017C86-7D21-4887-921A-A7D43838CAA1}" type="datetimeFigureOut">
               <a:rPr kumimoji="1" lang="ja-JP" altLang="en-US" smtClean="0"/>
-              <a:t>2025/1/30</a:t>
+              <a:t>2025/1/31</a:t>
             </a:fld>
             <a:endParaRPr kumimoji="1" lang="ja-JP" altLang="en-US"/>
           </a:p>
@@ -4991,7 +4991,7 @@
         <p:spPr>
           <a:xfrm>
             <a:off x="5384800" y="4257964"/>
-            <a:ext cx="1800493" cy="369332"/>
+            <a:ext cx="2492990" cy="369332"/>
           </a:xfrm>
           <a:prstGeom prst="rect">
             <a:avLst/>
@@ -5009,8 +5009,19 @@
                 <a:latin typeface="HGS明朝E" panose="02020900000000000000" pitchFamily="18" charset="-128"/>
                 <a:ea typeface="HGS明朝E" panose="02020900000000000000" pitchFamily="18" charset="-128"/>
               </a:rPr>
-              <a:t>敵の攻撃を回避</a:t>
-            </a:r>
+              <a:t>敵の攻撃を</a:t>
+            </a:r>
+            <a:r>
+              <a:rPr lang="ja-JP" altLang="en-US" dirty="0">
+                <a:latin typeface="HGS明朝E" panose="02020900000000000000" pitchFamily="18" charset="-128"/>
+                <a:ea typeface="HGS明朝E" panose="02020900000000000000" pitchFamily="18" charset="-128"/>
+              </a:rPr>
+              <a:t>巧みに捌く</a:t>
+            </a:r>
+            <a:endParaRPr kumimoji="1" lang="ja-JP" altLang="en-US" dirty="0">
+              <a:latin typeface="HGS明朝E" panose="02020900000000000000" pitchFamily="18" charset="-128"/>
+              <a:ea typeface="HGS明朝E" panose="02020900000000000000" pitchFamily="18" charset="-128"/>
+            </a:endParaRPr>
           </a:p>
         </p:txBody>
       </p:sp>
@@ -6534,20 +6545,20 @@
 </file>
 
 <file path=customXml/item1.xml><?xml version="1.0" encoding="utf-8"?>
-<p:properties xmlns:p="http://schemas.microsoft.com/office/2006/metadata/properties" xmlns:xsi="http://www.w3.org/2001/XMLSchema-instance" xmlns:pc="http://schemas.microsoft.com/office/infopath/2007/PartnerControls">
-  <documentManagement>
-    <_activity xmlns="599eecd9-2310-4b0b-9e92-9d18ba11b74d" xsi:nil="true"/>
-  </documentManagement>
-</p:properties>
-</file>
-
-<file path=customXml/item2.xml><?xml version="1.0" encoding="utf-8"?>
 <?mso-contentType ?>
 <FormTemplates xmlns="http://schemas.microsoft.com/sharepoint/v3/contenttype/forms">
   <Display>DocumentLibraryForm</Display>
   <Edit>DocumentLibraryForm</Edit>
   <New>DocumentLibraryForm</New>
 </FormTemplates>
+</file>
+
+<file path=customXml/item2.xml><?xml version="1.0" encoding="utf-8"?>
+<p:properties xmlns:p="http://schemas.microsoft.com/office/2006/metadata/properties" xmlns:xsi="http://www.w3.org/2001/XMLSchema-instance" xmlns:pc="http://schemas.microsoft.com/office/infopath/2007/PartnerControls">
+  <documentManagement>
+    <_activity xmlns="599eecd9-2310-4b0b-9e92-9d18ba11b74d" xsi:nil="true"/>
+  </documentManagement>
+</p:properties>
 </file>
 
 <file path=customXml/item3.xml><?xml version="1.0" encoding="utf-8"?>
@@ -6739,6 +6750,14 @@
 </file>
 
 <file path=customXml/itemProps1.xml><?xml version="1.0" encoding="utf-8"?>
+<ds:datastoreItem xmlns:ds="http://schemas.openxmlformats.org/officeDocument/2006/customXml" ds:itemID="{F41A5734-11E0-4D0E-B101-9C96F8DDA22E}">
+  <ds:schemaRefs>
+    <ds:schemaRef ds:uri="http://schemas.microsoft.com/sharepoint/v3/contenttype/forms"/>
+  </ds:schemaRefs>
+</ds:datastoreItem>
+</file>
+
+<file path=customXml/itemProps2.xml><?xml version="1.0" encoding="utf-8"?>
 <ds:datastoreItem xmlns:ds="http://schemas.openxmlformats.org/officeDocument/2006/customXml" ds:itemID="{2648AD9E-5065-4CB3-87D4-FFF72FE18C28}">
   <ds:schemaRefs>
     <ds:schemaRef ds:uri="http://schemas.microsoft.com/office/2006/metadata/properties"/>
@@ -6750,14 +6769,6 @@
     <ds:schemaRef ds:uri="http://purl.org/dc/elements/1.1/"/>
     <ds:schemaRef ds:uri="http://schemas.openxmlformats.org/package/2006/metadata/core-properties"/>
     <ds:schemaRef ds:uri="http://purl.org/dc/dcmitype/"/>
-  </ds:schemaRefs>
-</ds:datastoreItem>
-</file>
-
-<file path=customXml/itemProps2.xml><?xml version="1.0" encoding="utf-8"?>
-<ds:datastoreItem xmlns:ds="http://schemas.openxmlformats.org/officeDocument/2006/customXml" ds:itemID="{F41A5734-11E0-4D0E-B101-9C96F8DDA22E}">
-  <ds:schemaRefs>
-    <ds:schemaRef ds:uri="http://schemas.microsoft.com/sharepoint/v3/contenttype/forms"/>
   </ds:schemaRefs>
 </ds:datastoreItem>
 </file>

--- a/Blade Maiden.pptx
+++ b/Blade Maiden.pptx
@@ -3864,7 +3864,7 @@
                 <a:latin typeface="HGP明朝E" panose="02020900000000000000" pitchFamily="18" charset="-128"/>
                 <a:ea typeface="HGP明朝E" panose="02020900000000000000" pitchFamily="18" charset="-128"/>
               </a:rPr>
-              <a:t>アクション</a:t>
+              <a:t>剣戟アクション</a:t>
             </a:r>
             <a:r>
               <a:rPr kumimoji="1" lang="en-US" altLang="ja-JP" dirty="0">
@@ -4283,10 +4283,10 @@
       </p:pic>
       <p:pic>
         <p:nvPicPr>
-          <p:cNvPr id="21" name="図 20">
-            <a:extLst>
-              <a:ext uri="{FF2B5EF4-FFF2-40B4-BE49-F238E27FC236}">
-                <a16:creationId xmlns:a16="http://schemas.microsoft.com/office/drawing/2014/main" id="{6E826F01-20F9-45E6-8F09-439CD18959C8}"/>
+          <p:cNvPr id="25" name="図 24">
+            <a:extLst>
+              <a:ext uri="{FF2B5EF4-FFF2-40B4-BE49-F238E27FC236}">
+                <a16:creationId xmlns:a16="http://schemas.microsoft.com/office/drawing/2014/main" id="{E9D7CF44-07C4-4EB3-8F1B-9FCA94B7B63F}"/>
               </a:ext>
             </a:extLst>
           </p:cNvPr>
@@ -4309,8 +4309,8 @@
         </p:blipFill>
         <p:spPr>
           <a:xfrm>
-            <a:off x="370994" y="2224569"/>
-            <a:ext cx="3167718" cy="1775707"/>
+            <a:off x="167016" y="4904458"/>
+            <a:ext cx="2573543" cy="1313394"/>
           </a:xfrm>
           <a:prstGeom prst="rect">
             <a:avLst/>
@@ -4322,6 +4322,103 @@
           </a:ln>
         </p:spPr>
       </p:pic>
+      <p:pic>
+        <p:nvPicPr>
+          <p:cNvPr id="21" name="図 20">
+            <a:extLst>
+              <a:ext uri="{FF2B5EF4-FFF2-40B4-BE49-F238E27FC236}">
+                <a16:creationId xmlns:a16="http://schemas.microsoft.com/office/drawing/2014/main" id="{6E826F01-20F9-45E6-8F09-439CD18959C8}"/>
+              </a:ext>
+            </a:extLst>
+          </p:cNvPr>
+          <p:cNvPicPr>
+            <a:picLocks noChangeAspect="1"/>
+          </p:cNvPicPr>
+          <p:nvPr/>
+        </p:nvPicPr>
+        <p:blipFill>
+          <a:blip r:embed="rId4">
+            <a:extLst>
+              <a:ext uri="{28A0092B-C50C-407E-A947-70E740481C1C}">
+                <a14:useLocalDpi xmlns:a14="http://schemas.microsoft.com/office/drawing/2010/main" val="0"/>
+              </a:ext>
+            </a:extLst>
+          </a:blip>
+          <a:stretch>
+            <a:fillRect/>
+          </a:stretch>
+        </p:blipFill>
+        <p:spPr>
+          <a:xfrm>
+            <a:off x="1431921" y="2233351"/>
+            <a:ext cx="3145380" cy="1763186"/>
+          </a:xfrm>
+          <a:prstGeom prst="rect">
+            <a:avLst/>
+          </a:prstGeom>
+          <a:ln>
+            <a:solidFill>
+              <a:schemeClr val="bg1"/>
+            </a:solidFill>
+          </a:ln>
+        </p:spPr>
+      </p:pic>
+      <p:sp>
+        <p:nvSpPr>
+          <p:cNvPr id="19" name="正方形/長方形 18">
+            <a:extLst>
+              <a:ext uri="{FF2B5EF4-FFF2-40B4-BE49-F238E27FC236}">
+                <a16:creationId xmlns:a16="http://schemas.microsoft.com/office/drawing/2014/main" id="{1756A11A-6E9B-4A8E-9F2C-089ED561344B}"/>
+              </a:ext>
+            </a:extLst>
+          </p:cNvPr>
+          <p:cNvSpPr/>
+          <p:nvPr/>
+        </p:nvSpPr>
+        <p:spPr>
+          <a:xfrm>
+            <a:off x="1434535" y="3609598"/>
+            <a:ext cx="3137466" cy="369331"/>
+          </a:xfrm>
+          <a:prstGeom prst="rect">
+            <a:avLst/>
+          </a:prstGeom>
+          <a:solidFill>
+            <a:schemeClr val="tx1">
+              <a:alpha val="60000"/>
+            </a:schemeClr>
+          </a:solidFill>
+          <a:ln>
+            <a:solidFill>
+              <a:schemeClr val="tx1"/>
+            </a:solidFill>
+          </a:ln>
+        </p:spPr>
+        <p:style>
+          <a:lnRef idx="2">
+            <a:schemeClr val="accent1">
+              <a:shade val="50000"/>
+            </a:schemeClr>
+          </a:lnRef>
+          <a:fillRef idx="1">
+            <a:schemeClr val="accent1"/>
+          </a:fillRef>
+          <a:effectRef idx="0">
+            <a:schemeClr val="accent1"/>
+          </a:effectRef>
+          <a:fontRef idx="minor">
+            <a:schemeClr val="lt1"/>
+          </a:fontRef>
+        </p:style>
+        <p:txBody>
+          <a:bodyPr rtlCol="0" anchor="ctr"/>
+          <a:lstStyle/>
+          <a:p>
+            <a:pPr algn="ctr"/>
+            <a:endParaRPr kumimoji="1" lang="ja-JP" altLang="en-US"/>
+          </a:p>
+        </p:txBody>
+      </p:sp>
       <p:grpSp>
         <p:nvGrpSpPr>
           <p:cNvPr id="13" name="グループ化 12">
@@ -4398,7 +4495,7 @@
             <p:nvPr/>
           </p:nvPicPr>
           <p:blipFill>
-            <a:blip r:embed="rId4">
+            <a:blip r:embed="rId5">
               <a:extLst>
                 <a:ext uri="{28A0092B-C50C-407E-A947-70E740481C1C}">
                   <a14:useLocalDpi xmlns:a14="http://schemas.microsoft.com/office/drawing/2010/main" val="0"/>
@@ -4450,14 +4547,16 @@
           <a:p>
             <a:r>
               <a:rPr kumimoji="1" lang="ja-JP" altLang="en-US" sz="4000" dirty="0">
-                <a:ln>
-                  <a:solidFill>
-                    <a:schemeClr val="tx1"/>
-                  </a:solidFill>
-                </a:ln>
                 <a:solidFill>
                   <a:schemeClr val="bg1"/>
                 </a:solidFill>
+                <a:effectLst>
+                  <a:glow rad="63500">
+                    <a:schemeClr val="tx1">
+                      <a:alpha val="40000"/>
+                    </a:schemeClr>
+                  </a:glow>
+                </a:effectLst>
                 <a:latin typeface="HGP明朝E" panose="02020900000000000000" pitchFamily="18" charset="-128"/>
                 <a:ea typeface="HGP明朝E" panose="02020900000000000000" pitchFamily="18" charset="-128"/>
               </a:rPr>
@@ -4634,8 +4733,8 @@
         </p:nvGrpSpPr>
         <p:grpSpPr>
           <a:xfrm>
-            <a:off x="780612" y="1704418"/>
-            <a:ext cx="2209800" cy="285560"/>
+            <a:off x="862304" y="1664530"/>
+            <a:ext cx="4170745" cy="285560"/>
             <a:chOff x="2808624" y="3242731"/>
             <a:chExt cx="2209800" cy="608177"/>
           </a:xfrm>
@@ -4788,7 +4887,7 @@
         </p:nvSpPr>
         <p:spPr>
           <a:xfrm>
-            <a:off x="1376399" y="1663538"/>
+            <a:off x="2393678" y="1620965"/>
             <a:ext cx="1107996" cy="369332"/>
           </a:xfrm>
           <a:prstGeom prst="rect">
@@ -4804,9 +4903,17 @@
           <a:p>
             <a:r>
               <a:rPr kumimoji="1" lang="ja-JP" altLang="en-US" dirty="0">
-                <a:solidFill>
-                  <a:schemeClr val="bg1"/>
-                </a:solidFill>
+                <a:gradFill>
+                  <a:gsLst>
+                    <a:gs pos="30000">
+                      <a:srgbClr val="F1BF75"/>
+                    </a:gs>
+                    <a:gs pos="100000">
+                      <a:schemeClr val="bg1"/>
+                    </a:gs>
+                  </a:gsLst>
+                  <a:lin ang="5400000" scaled="1"/>
+                </a:gradFill>
                 <a:latin typeface="HGS明朝E" panose="02020900000000000000" pitchFamily="18" charset="-128"/>
                 <a:ea typeface="HGS明朝E" panose="02020900000000000000" pitchFamily="18" charset="-128"/>
               </a:rPr>
@@ -4829,8 +4936,8 @@
         </p:nvSpPr>
         <p:spPr>
           <a:xfrm>
-            <a:off x="515127" y="3507718"/>
-            <a:ext cx="3023585" cy="369332"/>
+            <a:off x="1658989" y="3605446"/>
+            <a:ext cx="2688557" cy="338554"/>
           </a:xfrm>
           <a:prstGeom prst="rect">
             <a:avLst/>
@@ -4844,7 +4951,7 @@
           <a:lstStyle/>
           <a:p>
             <a:r>
-              <a:rPr kumimoji="1" lang="ja-JP" altLang="en-US" dirty="0">
+              <a:rPr kumimoji="1" lang="ja-JP" altLang="en-US" sz="1600" dirty="0">
                 <a:ln w="0">
                   <a:noFill/>
                 </a:ln>
@@ -4861,9 +4968,7 @@
                 </a:gradFill>
                 <a:effectLst>
                   <a:outerShdw blurRad="50800" dist="50800" dir="5400000" algn="ctr" rotWithShape="0">
-                    <a:schemeClr val="bg1">
-                      <a:lumMod val="75000"/>
-                    </a:schemeClr>
+                    <a:schemeClr val="bg1"/>
                   </a:outerShdw>
                 </a:effectLst>
                 <a:latin typeface="HGS明朝E" panose="02020900000000000000" pitchFamily="18" charset="-128"/>
@@ -4872,7 +4977,7 @@
               <a:t>三人称視点</a:t>
             </a:r>
             <a:r>
-              <a:rPr kumimoji="1" lang="ja-JP" altLang="en-US" dirty="0">
+              <a:rPr kumimoji="1" lang="ja-JP" altLang="en-US" sz="1600" dirty="0">
                 <a:solidFill>
                   <a:schemeClr val="bg1"/>
                 </a:solidFill>
@@ -4882,7 +4987,7 @@
               <a:t>の</a:t>
             </a:r>
             <a:r>
-              <a:rPr lang="en-US" altLang="ja-JP" dirty="0">
+              <a:rPr lang="en-US" altLang="ja-JP" sz="1600" dirty="0">
                 <a:ln w="0">
                   <a:noFill/>
                 </a:ln>
@@ -4899,9 +5004,7 @@
                 </a:gradFill>
                 <a:effectLst>
                   <a:outerShdw blurRad="50800" dist="50800" dir="5400000" algn="ctr" rotWithShape="0">
-                    <a:schemeClr val="bg1">
-                      <a:lumMod val="75000"/>
-                    </a:schemeClr>
+                    <a:schemeClr val="bg1"/>
                   </a:outerShdw>
                 </a:effectLst>
                 <a:latin typeface="HGS明朝E" panose="02020900000000000000" pitchFamily="18" charset="-128"/>
@@ -4910,7 +5013,7 @@
               <a:t>3D</a:t>
             </a:r>
             <a:r>
-              <a:rPr lang="ja-JP" altLang="en-US" dirty="0">
+              <a:rPr lang="ja-JP" altLang="en-US" sz="1600" dirty="0">
                 <a:ln w="0">
                   <a:noFill/>
                 </a:ln>
@@ -4927,9 +5030,7 @@
                 </a:gradFill>
                 <a:effectLst>
                   <a:outerShdw blurRad="50800" dist="50800" dir="5400000" algn="ctr" rotWithShape="0">
-                    <a:schemeClr val="bg1">
-                      <a:lumMod val="75000"/>
-                    </a:schemeClr>
+                    <a:schemeClr val="bg1"/>
                   </a:outerShdw>
                 </a:effectLst>
                 <a:latin typeface="HGS明朝E" panose="02020900000000000000" pitchFamily="18" charset="-128"/>
@@ -4942,10 +5043,10 @@
       </p:sp>
       <p:pic>
         <p:nvPicPr>
-          <p:cNvPr id="25" name="図 24">
-            <a:extLst>
-              <a:ext uri="{FF2B5EF4-FFF2-40B4-BE49-F238E27FC236}">
-                <a16:creationId xmlns:a16="http://schemas.microsoft.com/office/drawing/2014/main" id="{E9D7CF44-07C4-4EB3-8F1B-9FCA94B7B63F}"/>
+          <p:cNvPr id="4" name="図 3">
+            <a:extLst>
+              <a:ext uri="{FF2B5EF4-FFF2-40B4-BE49-F238E27FC236}">
+                <a16:creationId xmlns:a16="http://schemas.microsoft.com/office/drawing/2014/main" id="{AC408478-2982-4999-9FEF-AF814B553B5B}"/>
               </a:ext>
             </a:extLst>
           </p:cNvPr>
@@ -4955,7 +5056,614 @@
           <p:nvPr/>
         </p:nvPicPr>
         <p:blipFill>
-          <a:blip r:embed="rId5">
+          <a:blip r:embed="rId6">
+            <a:extLst>
+              <a:ext uri="{28A0092B-C50C-407E-A947-70E740481C1C}">
+                <a14:useLocalDpi xmlns:a14="http://schemas.microsoft.com/office/drawing/2010/main" val="0"/>
+              </a:ext>
+            </a:extLst>
+          </a:blip>
+          <a:stretch>
+            <a:fillRect/>
+          </a:stretch>
+        </p:blipFill>
+        <p:spPr>
+          <a:xfrm rot="10800000" flipV="1">
+            <a:off x="3142452" y="4771120"/>
+            <a:ext cx="2793474" cy="1571330"/>
+          </a:xfrm>
+          <a:prstGeom prst="rect">
+            <a:avLst/>
+          </a:prstGeom>
+          <a:ln>
+            <a:solidFill>
+              <a:schemeClr val="bg1"/>
+            </a:solidFill>
+          </a:ln>
+        </p:spPr>
+      </p:pic>
+      <p:sp>
+        <p:nvSpPr>
+          <p:cNvPr id="10" name="矢印: 右 9">
+            <a:extLst>
+              <a:ext uri="{FF2B5EF4-FFF2-40B4-BE49-F238E27FC236}">
+                <a16:creationId xmlns:a16="http://schemas.microsoft.com/office/drawing/2014/main" id="{D1930D2A-4443-4E72-BB6B-6B7CBB627914}"/>
+              </a:ext>
+            </a:extLst>
+          </p:cNvPr>
+          <p:cNvSpPr/>
+          <p:nvPr/>
+        </p:nvSpPr>
+        <p:spPr>
+          <a:xfrm>
+            <a:off x="2687111" y="5382036"/>
+            <a:ext cx="635000" cy="474134"/>
+          </a:xfrm>
+          <a:prstGeom prst="rightArrow">
+            <a:avLst/>
+          </a:prstGeom>
+          <a:gradFill>
+            <a:gsLst>
+              <a:gs pos="0">
+                <a:schemeClr val="accent2">
+                  <a:lumMod val="60000"/>
+                  <a:lumOff val="40000"/>
+                </a:schemeClr>
+              </a:gs>
+              <a:gs pos="91000">
+                <a:srgbClr val="F61E1E"/>
+              </a:gs>
+            </a:gsLst>
+            <a:lin ang="0" scaled="0"/>
+          </a:gradFill>
+          <a:ln w="15875">
+            <a:solidFill>
+              <a:schemeClr val="bg1"/>
+            </a:solidFill>
+          </a:ln>
+        </p:spPr>
+        <p:style>
+          <a:lnRef idx="2">
+            <a:schemeClr val="accent1">
+              <a:shade val="50000"/>
+            </a:schemeClr>
+          </a:lnRef>
+          <a:fillRef idx="1">
+            <a:schemeClr val="accent1"/>
+          </a:fillRef>
+          <a:effectRef idx="0">
+            <a:schemeClr val="accent1"/>
+          </a:effectRef>
+          <a:fontRef idx="minor">
+            <a:schemeClr val="lt1"/>
+          </a:fontRef>
+        </p:style>
+        <p:txBody>
+          <a:bodyPr rtlCol="0" anchor="ctr"/>
+          <a:lstStyle/>
+          <a:p>
+            <a:pPr algn="ctr"/>
+            <a:endParaRPr kumimoji="1" lang="ja-JP" altLang="en-US"/>
+          </a:p>
+        </p:txBody>
+      </p:sp>
+      <p:sp>
+        <p:nvSpPr>
+          <p:cNvPr id="23" name="正方形/長方形 22">
+            <a:extLst>
+              <a:ext uri="{FF2B5EF4-FFF2-40B4-BE49-F238E27FC236}">
+                <a16:creationId xmlns:a16="http://schemas.microsoft.com/office/drawing/2014/main" id="{F29B0432-A2BE-4848-A581-CB97150C567A}"/>
+              </a:ext>
+            </a:extLst>
+          </p:cNvPr>
+          <p:cNvSpPr/>
+          <p:nvPr/>
+        </p:nvSpPr>
+        <p:spPr>
+          <a:xfrm>
+            <a:off x="177070" y="5834783"/>
+            <a:ext cx="2538421" cy="369331"/>
+          </a:xfrm>
+          <a:prstGeom prst="rect">
+            <a:avLst/>
+          </a:prstGeom>
+          <a:solidFill>
+            <a:schemeClr val="tx1">
+              <a:alpha val="60000"/>
+            </a:schemeClr>
+          </a:solidFill>
+          <a:ln>
+            <a:solidFill>
+              <a:schemeClr val="tx1"/>
+            </a:solidFill>
+          </a:ln>
+        </p:spPr>
+        <p:style>
+          <a:lnRef idx="2">
+            <a:schemeClr val="accent1">
+              <a:shade val="50000"/>
+            </a:schemeClr>
+          </a:lnRef>
+          <a:fillRef idx="1">
+            <a:schemeClr val="accent1"/>
+          </a:fillRef>
+          <a:effectRef idx="0">
+            <a:schemeClr val="accent1"/>
+          </a:effectRef>
+          <a:fontRef idx="minor">
+            <a:schemeClr val="lt1"/>
+          </a:fontRef>
+        </p:style>
+        <p:txBody>
+          <a:bodyPr rtlCol="0" anchor="ctr"/>
+          <a:lstStyle/>
+          <a:p>
+            <a:pPr algn="ctr"/>
+            <a:endParaRPr kumimoji="1" lang="ja-JP" altLang="en-US"/>
+          </a:p>
+        </p:txBody>
+      </p:sp>
+      <p:sp>
+        <p:nvSpPr>
+          <p:cNvPr id="26" name="テキスト ボックス 25">
+            <a:extLst>
+              <a:ext uri="{FF2B5EF4-FFF2-40B4-BE49-F238E27FC236}">
+                <a16:creationId xmlns:a16="http://schemas.microsoft.com/office/drawing/2014/main" id="{FF3C9293-3A53-4316-AB5B-56A0BA83FD44}"/>
+              </a:ext>
+            </a:extLst>
+          </p:cNvPr>
+          <p:cNvSpPr txBox="1"/>
+          <p:nvPr/>
+        </p:nvSpPr>
+        <p:spPr>
+          <a:xfrm>
+            <a:off x="317056" y="5845922"/>
+            <a:ext cx="2236510" cy="338554"/>
+          </a:xfrm>
+          <a:prstGeom prst="rect">
+            <a:avLst/>
+          </a:prstGeom>
+          <a:noFill/>
+        </p:spPr>
+        <p:txBody>
+          <a:bodyPr wrap="none" rtlCol="0">
+            <a:spAutoFit/>
+          </a:bodyPr>
+          <a:lstStyle/>
+          <a:p>
+            <a:r>
+              <a:rPr lang="ja-JP" altLang="en-US" sz="1600" dirty="0">
+                <a:ln w="0">
+                  <a:noFill/>
+                </a:ln>
+                <a:gradFill>
+                  <a:gsLst>
+                    <a:gs pos="0">
+                      <a:srgbClr val="F4D8D0"/>
+                    </a:gs>
+                    <a:gs pos="100000">
+                      <a:srgbClr val="CC0000"/>
+                    </a:gs>
+                  </a:gsLst>
+                  <a:lin ang="5400000" scaled="1"/>
+                </a:gradFill>
+                <a:effectLst>
+                  <a:outerShdw blurRad="50800" dist="50800" dir="5400000" algn="ctr" rotWithShape="0">
+                    <a:schemeClr val="bg1"/>
+                  </a:outerShdw>
+                </a:effectLst>
+                <a:latin typeface="HGS明朝E" panose="02020900000000000000" pitchFamily="18" charset="-128"/>
+                <a:ea typeface="HGS明朝E" panose="02020900000000000000" pitchFamily="18" charset="-128"/>
+              </a:rPr>
+              <a:t>敵の攻撃</a:t>
+            </a:r>
+            <a:r>
+              <a:rPr kumimoji="1" lang="ja-JP" altLang="en-US" sz="1600" dirty="0">
+                <a:solidFill>
+                  <a:schemeClr val="bg1"/>
+                </a:solidFill>
+                <a:latin typeface="HGS明朝E" panose="02020900000000000000" pitchFamily="18" charset="-128"/>
+                <a:ea typeface="HGS明朝E" panose="02020900000000000000" pitchFamily="18" charset="-128"/>
+              </a:rPr>
+              <a:t>を</a:t>
+            </a:r>
+            <a:r>
+              <a:rPr lang="ja-JP" altLang="en-US" sz="1600" dirty="0">
+                <a:ln w="0">
+                  <a:noFill/>
+                </a:ln>
+                <a:gradFill>
+                  <a:gsLst>
+                    <a:gs pos="0">
+                      <a:srgbClr val="F4D8D0"/>
+                    </a:gs>
+                    <a:gs pos="100000">
+                      <a:srgbClr val="CC0000"/>
+                    </a:gs>
+                  </a:gsLst>
+                  <a:lin ang="5400000" scaled="1"/>
+                </a:gradFill>
+                <a:effectLst>
+                  <a:outerShdw blurRad="50800" dist="50800" dir="5400000" algn="ctr" rotWithShape="0">
+                    <a:schemeClr val="bg1"/>
+                  </a:outerShdw>
+                </a:effectLst>
+                <a:latin typeface="HGS明朝E" panose="02020900000000000000" pitchFamily="18" charset="-128"/>
+                <a:ea typeface="HGS明朝E" panose="02020900000000000000" pitchFamily="18" charset="-128"/>
+              </a:rPr>
+              <a:t>巧みに捌く</a:t>
+            </a:r>
+          </a:p>
+        </p:txBody>
+      </p:sp>
+      <p:sp>
+        <p:nvSpPr>
+          <p:cNvPr id="24" name="正方形/長方形 23">
+            <a:extLst>
+              <a:ext uri="{FF2B5EF4-FFF2-40B4-BE49-F238E27FC236}">
+                <a16:creationId xmlns:a16="http://schemas.microsoft.com/office/drawing/2014/main" id="{9BD2C8F3-5767-4FDE-BCC3-9F820E9F75EE}"/>
+              </a:ext>
+            </a:extLst>
+          </p:cNvPr>
+          <p:cNvSpPr/>
+          <p:nvPr/>
+        </p:nvSpPr>
+        <p:spPr>
+          <a:xfrm>
+            <a:off x="3140366" y="5958918"/>
+            <a:ext cx="2780143" cy="377227"/>
+          </a:xfrm>
+          <a:prstGeom prst="rect">
+            <a:avLst/>
+          </a:prstGeom>
+          <a:solidFill>
+            <a:schemeClr val="tx1">
+              <a:alpha val="60000"/>
+            </a:schemeClr>
+          </a:solidFill>
+          <a:ln>
+            <a:solidFill>
+              <a:schemeClr val="tx1"/>
+            </a:solidFill>
+          </a:ln>
+        </p:spPr>
+        <p:style>
+          <a:lnRef idx="2">
+            <a:schemeClr val="accent1">
+              <a:shade val="50000"/>
+            </a:schemeClr>
+          </a:lnRef>
+          <a:fillRef idx="1">
+            <a:schemeClr val="accent1"/>
+          </a:fillRef>
+          <a:effectRef idx="0">
+            <a:schemeClr val="accent1"/>
+          </a:effectRef>
+          <a:fontRef idx="minor">
+            <a:schemeClr val="lt1"/>
+          </a:fontRef>
+        </p:style>
+        <p:txBody>
+          <a:bodyPr rtlCol="0" anchor="ctr"/>
+          <a:lstStyle/>
+          <a:p>
+            <a:pPr algn="ctr"/>
+            <a:endParaRPr kumimoji="1" lang="ja-JP" altLang="en-US"/>
+          </a:p>
+        </p:txBody>
+      </p:sp>
+      <p:sp>
+        <p:nvSpPr>
+          <p:cNvPr id="11" name="テキスト ボックス 10">
+            <a:extLst>
+              <a:ext uri="{FF2B5EF4-FFF2-40B4-BE49-F238E27FC236}">
+                <a16:creationId xmlns:a16="http://schemas.microsoft.com/office/drawing/2014/main" id="{69D6F6CD-18A0-4415-AC7A-1C69F9CAF34A}"/>
+              </a:ext>
+            </a:extLst>
+          </p:cNvPr>
+          <p:cNvSpPr txBox="1"/>
+          <p:nvPr/>
+        </p:nvSpPr>
+        <p:spPr>
+          <a:xfrm>
+            <a:off x="3617366" y="5978254"/>
+            <a:ext cx="1826141" cy="338554"/>
+          </a:xfrm>
+          <a:prstGeom prst="rect">
+            <a:avLst/>
+          </a:prstGeom>
+          <a:noFill/>
+        </p:spPr>
+        <p:txBody>
+          <a:bodyPr wrap="none" rtlCol="0">
+            <a:spAutoFit/>
+          </a:bodyPr>
+          <a:lstStyle/>
+          <a:p>
+            <a:r>
+              <a:rPr lang="ja-JP" altLang="en-US" sz="1600" dirty="0">
+                <a:ln w="0">
+                  <a:noFill/>
+                </a:ln>
+                <a:gradFill>
+                  <a:gsLst>
+                    <a:gs pos="0">
+                      <a:srgbClr val="F4D8D0"/>
+                    </a:gs>
+                    <a:gs pos="100000">
+                      <a:srgbClr val="CC0000"/>
+                    </a:gs>
+                  </a:gsLst>
+                  <a:lin ang="5400000" scaled="1"/>
+                </a:gradFill>
+                <a:effectLst>
+                  <a:outerShdw blurRad="50800" dist="50800" dir="5400000" algn="ctr" rotWithShape="0">
+                    <a:schemeClr val="bg1"/>
+                  </a:outerShdw>
+                </a:effectLst>
+                <a:latin typeface="HGS明朝E" panose="02020900000000000000" pitchFamily="18" charset="-128"/>
+                <a:ea typeface="HGS明朝E" panose="02020900000000000000" pitchFamily="18" charset="-128"/>
+              </a:rPr>
+              <a:t>隙</a:t>
+            </a:r>
+            <a:r>
+              <a:rPr kumimoji="1" lang="ja-JP" altLang="en-US" sz="1600" dirty="0">
+                <a:solidFill>
+                  <a:schemeClr val="bg1"/>
+                </a:solidFill>
+                <a:latin typeface="HGS明朝E" panose="02020900000000000000" pitchFamily="18" charset="-128"/>
+                <a:ea typeface="HGS明朝E" panose="02020900000000000000" pitchFamily="18" charset="-128"/>
+              </a:rPr>
+              <a:t>を突いて</a:t>
+            </a:r>
+            <a:r>
+              <a:rPr lang="ja-JP" altLang="en-US" sz="1600" dirty="0">
+                <a:ln w="0">
+                  <a:noFill/>
+                </a:ln>
+                <a:gradFill>
+                  <a:gsLst>
+                    <a:gs pos="0">
+                      <a:srgbClr val="F4D8D0"/>
+                    </a:gs>
+                    <a:gs pos="100000">
+                      <a:srgbClr val="CC0000"/>
+                    </a:gs>
+                  </a:gsLst>
+                  <a:lin ang="5400000" scaled="1"/>
+                </a:gradFill>
+                <a:effectLst>
+                  <a:outerShdw blurRad="50800" dist="50800" dir="5400000" algn="ctr" rotWithShape="0">
+                    <a:schemeClr val="bg1"/>
+                  </a:outerShdw>
+                </a:effectLst>
+                <a:latin typeface="HGS明朝E" panose="02020900000000000000" pitchFamily="18" charset="-128"/>
+                <a:ea typeface="HGS明朝E" panose="02020900000000000000" pitchFamily="18" charset="-128"/>
+              </a:rPr>
+              <a:t>反撃！</a:t>
+            </a:r>
+          </a:p>
+        </p:txBody>
+      </p:sp>
+      <p:grpSp>
+        <p:nvGrpSpPr>
+          <p:cNvPr id="27" name="グループ化 26">
+            <a:extLst>
+              <a:ext uri="{FF2B5EF4-FFF2-40B4-BE49-F238E27FC236}">
+                <a16:creationId xmlns:a16="http://schemas.microsoft.com/office/drawing/2014/main" id="{E5C88206-8F3A-4FCA-BAEE-84B348AC4A7D}"/>
+              </a:ext>
+            </a:extLst>
+          </p:cNvPr>
+          <p:cNvGrpSpPr/>
+          <p:nvPr/>
+        </p:nvGrpSpPr>
+        <p:grpSpPr>
+          <a:xfrm>
+            <a:off x="7003352" y="1662027"/>
+            <a:ext cx="4170745" cy="285560"/>
+            <a:chOff x="2808624" y="3242731"/>
+            <a:chExt cx="2209800" cy="608177"/>
+          </a:xfrm>
+        </p:grpSpPr>
+        <p:sp>
+          <p:nvSpPr>
+            <p:cNvPr id="28" name="正方形/長方形 27">
+              <a:extLst>
+                <a:ext uri="{FF2B5EF4-FFF2-40B4-BE49-F238E27FC236}">
+                  <a16:creationId xmlns:a16="http://schemas.microsoft.com/office/drawing/2014/main" id="{FE3DD1A1-7181-422D-852A-92389167AD9A}"/>
+                </a:ext>
+              </a:extLst>
+            </p:cNvPr>
+            <p:cNvSpPr/>
+            <p:nvPr/>
+          </p:nvSpPr>
+          <p:spPr>
+            <a:xfrm>
+              <a:off x="2808624" y="3255175"/>
+              <a:ext cx="2209800" cy="590346"/>
+            </a:xfrm>
+            <a:prstGeom prst="rect">
+              <a:avLst/>
+            </a:prstGeom>
+            <a:solidFill>
+              <a:schemeClr val="dk1">
+                <a:alpha val="70000"/>
+              </a:schemeClr>
+            </a:solidFill>
+          </p:spPr>
+          <p:style>
+            <a:lnRef idx="2">
+              <a:schemeClr val="dk1">
+                <a:shade val="50000"/>
+              </a:schemeClr>
+            </a:lnRef>
+            <a:fillRef idx="1">
+              <a:schemeClr val="dk1"/>
+            </a:fillRef>
+            <a:effectRef idx="0">
+              <a:schemeClr val="dk1"/>
+            </a:effectRef>
+            <a:fontRef idx="minor">
+              <a:schemeClr val="lt1"/>
+            </a:fontRef>
+          </p:style>
+          <p:txBody>
+            <a:bodyPr rtlCol="0" anchor="ctr"/>
+            <a:lstStyle/>
+            <a:p>
+              <a:pPr algn="ctr"/>
+              <a:endParaRPr kumimoji="1" lang="ja-JP" altLang="en-US"/>
+            </a:p>
+          </p:txBody>
+        </p:sp>
+        <p:cxnSp>
+          <p:nvCxnSpPr>
+            <p:cNvPr id="29" name="直線コネクタ 28">
+              <a:extLst>
+                <a:ext uri="{FF2B5EF4-FFF2-40B4-BE49-F238E27FC236}">
+                  <a16:creationId xmlns:a16="http://schemas.microsoft.com/office/drawing/2014/main" id="{C5C18D79-455A-445A-88FE-DB42C9A87B78}"/>
+                </a:ext>
+              </a:extLst>
+            </p:cNvPr>
+            <p:cNvCxnSpPr/>
+            <p:nvPr/>
+          </p:nvCxnSpPr>
+          <p:spPr>
+            <a:xfrm>
+              <a:off x="2808624" y="3242731"/>
+              <a:ext cx="2209800" cy="0"/>
+            </a:xfrm>
+            <a:prstGeom prst="line">
+              <a:avLst/>
+            </a:prstGeom>
+            <a:ln>
+              <a:solidFill>
+                <a:schemeClr val="bg1"/>
+              </a:solidFill>
+            </a:ln>
+          </p:spPr>
+          <p:style>
+            <a:lnRef idx="1">
+              <a:schemeClr val="accent1"/>
+            </a:lnRef>
+            <a:fillRef idx="0">
+              <a:schemeClr val="accent1"/>
+            </a:fillRef>
+            <a:effectRef idx="0">
+              <a:schemeClr val="accent1"/>
+            </a:effectRef>
+            <a:fontRef idx="minor">
+              <a:schemeClr val="tx1"/>
+            </a:fontRef>
+          </p:style>
+        </p:cxnSp>
+        <p:cxnSp>
+          <p:nvCxnSpPr>
+            <p:cNvPr id="30" name="直線コネクタ 29">
+              <a:extLst>
+                <a:ext uri="{FF2B5EF4-FFF2-40B4-BE49-F238E27FC236}">
+                  <a16:creationId xmlns:a16="http://schemas.microsoft.com/office/drawing/2014/main" id="{602C98D6-C4BC-48F5-8E04-1063EAAD06BD}"/>
+                </a:ext>
+              </a:extLst>
+            </p:cNvPr>
+            <p:cNvCxnSpPr/>
+            <p:nvPr/>
+          </p:nvCxnSpPr>
+          <p:spPr>
+            <a:xfrm>
+              <a:off x="2808624" y="3850908"/>
+              <a:ext cx="2209800" cy="0"/>
+            </a:xfrm>
+            <a:prstGeom prst="line">
+              <a:avLst/>
+            </a:prstGeom>
+            <a:ln>
+              <a:solidFill>
+                <a:schemeClr val="bg1"/>
+              </a:solidFill>
+            </a:ln>
+          </p:spPr>
+          <p:style>
+            <a:lnRef idx="1">
+              <a:schemeClr val="dk1"/>
+            </a:lnRef>
+            <a:fillRef idx="0">
+              <a:schemeClr val="dk1"/>
+            </a:fillRef>
+            <a:effectRef idx="0">
+              <a:schemeClr val="dk1"/>
+            </a:effectRef>
+            <a:fontRef idx="minor">
+              <a:schemeClr val="tx1"/>
+            </a:fontRef>
+          </p:style>
+        </p:cxnSp>
+      </p:grpSp>
+      <p:sp>
+        <p:nvSpPr>
+          <p:cNvPr id="20" name="テキスト ボックス 19">
+            <a:extLst>
+              <a:ext uri="{FF2B5EF4-FFF2-40B4-BE49-F238E27FC236}">
+                <a16:creationId xmlns:a16="http://schemas.microsoft.com/office/drawing/2014/main" id="{D5F4A012-58BC-443C-83E5-878DCD3A794F}"/>
+              </a:ext>
+            </a:extLst>
+          </p:cNvPr>
+          <p:cNvSpPr txBox="1"/>
+          <p:nvPr/>
+        </p:nvSpPr>
+        <p:spPr>
+          <a:xfrm>
+            <a:off x="7380564" y="1595130"/>
+            <a:ext cx="3416320" cy="369332"/>
+          </a:xfrm>
+          <a:prstGeom prst="rect">
+            <a:avLst/>
+          </a:prstGeom>
+          <a:noFill/>
+        </p:spPr>
+        <p:txBody>
+          <a:bodyPr wrap="none" rtlCol="0">
+            <a:spAutoFit/>
+          </a:bodyPr>
+          <a:lstStyle/>
+          <a:p>
+            <a:r>
+              <a:rPr lang="ja-JP" altLang="en-US" dirty="0">
+                <a:gradFill>
+                  <a:gsLst>
+                    <a:gs pos="30000">
+                      <a:srgbClr val="F1BF75"/>
+                    </a:gs>
+                    <a:gs pos="100000">
+                      <a:schemeClr val="bg1"/>
+                    </a:gs>
+                  </a:gsLst>
+                  <a:lin ang="5400000" scaled="1"/>
+                </a:gradFill>
+                <a:latin typeface="HGS明朝E" panose="02020900000000000000" pitchFamily="18" charset="-128"/>
+                <a:ea typeface="HGS明朝E" panose="02020900000000000000" pitchFamily="18" charset="-128"/>
+              </a:rPr>
+              <a:t>パリィや回避で敵の攻撃を捌く</a:t>
+            </a:r>
+          </a:p>
+        </p:txBody>
+      </p:sp>
+      <p:pic>
+        <p:nvPicPr>
+          <p:cNvPr id="31" name="図 30">
+            <a:extLst>
+              <a:ext uri="{FF2B5EF4-FFF2-40B4-BE49-F238E27FC236}">
+                <a16:creationId xmlns:a16="http://schemas.microsoft.com/office/drawing/2014/main" id="{6419035F-ED2E-41CB-AED9-13D833356FE4}"/>
+              </a:ext>
+            </a:extLst>
+          </p:cNvPr>
+          <p:cNvPicPr>
+            <a:picLocks noChangeAspect="1"/>
+          </p:cNvPicPr>
+          <p:nvPr/>
+        </p:nvPicPr>
+        <p:blipFill>
+          <a:blip r:embed="rId7">
             <a:extLst>
               <a:ext uri="{28A0092B-C50C-407E-A947-70E740481C1C}">
                 <a14:useLocalDpi xmlns:a14="http://schemas.microsoft.com/office/drawing/2010/main" val="0"/>
@@ -4968,20 +5676,275 @@
         </p:blipFill>
         <p:spPr>
           <a:xfrm>
-            <a:off x="370994" y="4087588"/>
-            <a:ext cx="3167718" cy="1616628"/>
+            <a:off x="7595573" y="2231929"/>
+            <a:ext cx="3222822" cy="1737303"/>
           </a:xfrm>
           <a:prstGeom prst="rect">
             <a:avLst/>
           </a:prstGeom>
+          <a:ln>
+            <a:solidFill>
+              <a:schemeClr val="bg1"/>
+            </a:solidFill>
+          </a:ln>
         </p:spPr>
       </p:pic>
-      <p:sp>
-        <p:nvSpPr>
-          <p:cNvPr id="26" name="テキスト ボックス 25">
-            <a:extLst>
-              <a:ext uri="{FF2B5EF4-FFF2-40B4-BE49-F238E27FC236}">
-                <a16:creationId xmlns:a16="http://schemas.microsoft.com/office/drawing/2014/main" id="{FF3C9293-3A53-4316-AB5B-56A0BA83FD44}"/>
+      <p:pic>
+        <p:nvPicPr>
+          <p:cNvPr id="33" name="図 32">
+            <a:extLst>
+              <a:ext uri="{FF2B5EF4-FFF2-40B4-BE49-F238E27FC236}">
+                <a16:creationId xmlns:a16="http://schemas.microsoft.com/office/drawing/2014/main" id="{50277E40-30A4-4B7C-BB2B-5C1046B21CBE}"/>
+              </a:ext>
+            </a:extLst>
+          </p:cNvPr>
+          <p:cNvPicPr>
+            <a:picLocks noChangeAspect="1"/>
+          </p:cNvPicPr>
+          <p:nvPr/>
+        </p:nvPicPr>
+        <p:blipFill>
+          <a:blip r:embed="rId8">
+            <a:extLst>
+              <a:ext uri="{28A0092B-C50C-407E-A947-70E740481C1C}">
+                <a14:useLocalDpi xmlns:a14="http://schemas.microsoft.com/office/drawing/2010/main" val="0"/>
+              </a:ext>
+            </a:extLst>
+          </a:blip>
+          <a:stretch>
+            <a:fillRect/>
+          </a:stretch>
+        </p:blipFill>
+        <p:spPr>
+          <a:xfrm>
+            <a:off x="9504888" y="4771120"/>
+            <a:ext cx="2611263" cy="1468836"/>
+          </a:xfrm>
+          <a:prstGeom prst="rect">
+            <a:avLst/>
+          </a:prstGeom>
+          <a:ln>
+            <a:solidFill>
+              <a:schemeClr val="bg1"/>
+            </a:solidFill>
+          </a:ln>
+        </p:spPr>
+      </p:pic>
+      <p:pic>
+        <p:nvPicPr>
+          <p:cNvPr id="35" name="図 34">
+            <a:extLst>
+              <a:ext uri="{FF2B5EF4-FFF2-40B4-BE49-F238E27FC236}">
+                <a16:creationId xmlns:a16="http://schemas.microsoft.com/office/drawing/2014/main" id="{0ACFCBC8-E510-437B-9882-DE774D177073}"/>
+              </a:ext>
+            </a:extLst>
+          </p:cNvPr>
+          <p:cNvPicPr>
+            <a:picLocks noChangeAspect="1"/>
+          </p:cNvPicPr>
+          <p:nvPr/>
+        </p:nvPicPr>
+        <p:blipFill>
+          <a:blip r:embed="rId9">
+            <a:extLst>
+              <a:ext uri="{28A0092B-C50C-407E-A947-70E740481C1C}">
+                <a14:useLocalDpi xmlns:a14="http://schemas.microsoft.com/office/drawing/2010/main" val="0"/>
+              </a:ext>
+            </a:extLst>
+          </a:blip>
+          <a:stretch>
+            <a:fillRect/>
+          </a:stretch>
+        </p:blipFill>
+        <p:spPr>
+          <a:xfrm>
+            <a:off x="6375876" y="4771120"/>
+            <a:ext cx="2851250" cy="1545687"/>
+          </a:xfrm>
+          <a:prstGeom prst="rect">
+            <a:avLst/>
+          </a:prstGeom>
+          <a:ln>
+            <a:solidFill>
+              <a:schemeClr val="bg1"/>
+            </a:solidFill>
+          </a:ln>
+        </p:spPr>
+      </p:pic>
+      <p:sp>
+        <p:nvSpPr>
+          <p:cNvPr id="36" name="正方形/長方形 35">
+            <a:extLst>
+              <a:ext uri="{FF2B5EF4-FFF2-40B4-BE49-F238E27FC236}">
+                <a16:creationId xmlns:a16="http://schemas.microsoft.com/office/drawing/2014/main" id="{44382C88-419D-4465-B3CA-FC8089E1A928}"/>
+              </a:ext>
+            </a:extLst>
+          </p:cNvPr>
+          <p:cNvSpPr/>
+          <p:nvPr/>
+        </p:nvSpPr>
+        <p:spPr>
+          <a:xfrm>
+            <a:off x="7603310" y="3610937"/>
+            <a:ext cx="3193574" cy="351463"/>
+          </a:xfrm>
+          <a:prstGeom prst="rect">
+            <a:avLst/>
+          </a:prstGeom>
+          <a:solidFill>
+            <a:schemeClr val="tx1">
+              <a:alpha val="60000"/>
+            </a:schemeClr>
+          </a:solidFill>
+          <a:ln>
+            <a:solidFill>
+              <a:schemeClr val="tx1"/>
+            </a:solidFill>
+          </a:ln>
+        </p:spPr>
+        <p:style>
+          <a:lnRef idx="2">
+            <a:schemeClr val="accent1">
+              <a:shade val="50000"/>
+            </a:schemeClr>
+          </a:lnRef>
+          <a:fillRef idx="1">
+            <a:schemeClr val="accent1"/>
+          </a:fillRef>
+          <a:effectRef idx="0">
+            <a:schemeClr val="accent1"/>
+          </a:effectRef>
+          <a:fontRef idx="minor">
+            <a:schemeClr val="lt1"/>
+          </a:fontRef>
+        </p:style>
+        <p:txBody>
+          <a:bodyPr rtlCol="0" anchor="ctr"/>
+          <a:lstStyle/>
+          <a:p>
+            <a:pPr algn="ctr"/>
+            <a:endParaRPr kumimoji="1" lang="ja-JP" altLang="en-US"/>
+          </a:p>
+        </p:txBody>
+      </p:sp>
+      <p:sp>
+        <p:nvSpPr>
+          <p:cNvPr id="37" name="正方形/長方形 36">
+            <a:extLst>
+              <a:ext uri="{FF2B5EF4-FFF2-40B4-BE49-F238E27FC236}">
+                <a16:creationId xmlns:a16="http://schemas.microsoft.com/office/drawing/2014/main" id="{7CE81EE4-9CAF-4BFF-9191-49D436D687DE}"/>
+              </a:ext>
+            </a:extLst>
+          </p:cNvPr>
+          <p:cNvSpPr/>
+          <p:nvPr/>
+        </p:nvSpPr>
+        <p:spPr>
+          <a:xfrm>
+            <a:off x="6375875" y="5900624"/>
+            <a:ext cx="2832780" cy="407812"/>
+          </a:xfrm>
+          <a:prstGeom prst="rect">
+            <a:avLst/>
+          </a:prstGeom>
+          <a:solidFill>
+            <a:schemeClr val="tx1">
+              <a:alpha val="60000"/>
+            </a:schemeClr>
+          </a:solidFill>
+          <a:ln>
+            <a:solidFill>
+              <a:schemeClr val="tx1"/>
+            </a:solidFill>
+          </a:ln>
+        </p:spPr>
+        <p:style>
+          <a:lnRef idx="2">
+            <a:schemeClr val="accent1">
+              <a:shade val="50000"/>
+            </a:schemeClr>
+          </a:lnRef>
+          <a:fillRef idx="1">
+            <a:schemeClr val="accent1"/>
+          </a:fillRef>
+          <a:effectRef idx="0">
+            <a:schemeClr val="accent1"/>
+          </a:effectRef>
+          <a:fontRef idx="minor">
+            <a:schemeClr val="lt1"/>
+          </a:fontRef>
+        </p:style>
+        <p:txBody>
+          <a:bodyPr rtlCol="0" anchor="ctr"/>
+          <a:lstStyle/>
+          <a:p>
+            <a:pPr algn="ctr"/>
+            <a:endParaRPr kumimoji="1" lang="ja-JP" altLang="en-US"/>
+          </a:p>
+        </p:txBody>
+      </p:sp>
+      <p:sp>
+        <p:nvSpPr>
+          <p:cNvPr id="38" name="正方形/長方形 37">
+            <a:extLst>
+              <a:ext uri="{FF2B5EF4-FFF2-40B4-BE49-F238E27FC236}">
+                <a16:creationId xmlns:a16="http://schemas.microsoft.com/office/drawing/2014/main" id="{FECF853D-00DA-4455-AC0A-D7F7D1E4B3C9}"/>
+              </a:ext>
+            </a:extLst>
+          </p:cNvPr>
+          <p:cNvSpPr/>
+          <p:nvPr/>
+        </p:nvSpPr>
+        <p:spPr>
+          <a:xfrm>
+            <a:off x="9504889" y="5865840"/>
+            <a:ext cx="2419256" cy="369331"/>
+          </a:xfrm>
+          <a:prstGeom prst="rect">
+            <a:avLst/>
+          </a:prstGeom>
+          <a:solidFill>
+            <a:schemeClr val="tx1">
+              <a:alpha val="60000"/>
+            </a:schemeClr>
+          </a:solidFill>
+          <a:ln>
+            <a:solidFill>
+              <a:schemeClr val="tx1"/>
+            </a:solidFill>
+          </a:ln>
+        </p:spPr>
+        <p:style>
+          <a:lnRef idx="2">
+            <a:schemeClr val="accent1">
+              <a:shade val="50000"/>
+            </a:schemeClr>
+          </a:lnRef>
+          <a:fillRef idx="1">
+            <a:schemeClr val="accent1"/>
+          </a:fillRef>
+          <a:effectRef idx="0">
+            <a:schemeClr val="accent1"/>
+          </a:effectRef>
+          <a:fontRef idx="minor">
+            <a:schemeClr val="lt1"/>
+          </a:fontRef>
+        </p:style>
+        <p:txBody>
+          <a:bodyPr rtlCol="0" anchor="ctr"/>
+          <a:lstStyle/>
+          <a:p>
+            <a:pPr algn="ctr"/>
+            <a:endParaRPr kumimoji="1" lang="ja-JP" altLang="en-US"/>
+          </a:p>
+        </p:txBody>
+      </p:sp>
+      <p:sp>
+        <p:nvSpPr>
+          <p:cNvPr id="39" name="テキスト ボックス 38">
+            <a:extLst>
+              <a:ext uri="{FF2B5EF4-FFF2-40B4-BE49-F238E27FC236}">
+                <a16:creationId xmlns:a16="http://schemas.microsoft.com/office/drawing/2014/main" id="{083BFE0B-70F7-4659-A800-9A42B6D9F78E}"/>
               </a:ext>
             </a:extLst>
           </p:cNvPr>
@@ -4990,8 +5953,8 @@
         </p:nvSpPr>
         <p:spPr>
           <a:xfrm>
-            <a:off x="5384800" y="4257964"/>
-            <a:ext cx="2492990" cy="369332"/>
+            <a:off x="8397715" y="3605446"/>
+            <a:ext cx="1620957" cy="338554"/>
           </a:xfrm>
           <a:prstGeom prst="rect">
             <a:avLst/>
@@ -5005,23 +5968,116 @@
           <a:lstStyle/>
           <a:p>
             <a:r>
-              <a:rPr kumimoji="1" lang="ja-JP" altLang="en-US" dirty="0">
+              <a:rPr lang="ja-JP" altLang="en-US" sz="1600" dirty="0">
+                <a:ln w="0">
+                  <a:noFill/>
+                </a:ln>
+                <a:gradFill>
+                  <a:gsLst>
+                    <a:gs pos="0">
+                      <a:srgbClr val="F4D8D0"/>
+                    </a:gs>
+                    <a:gs pos="100000">
+                      <a:srgbClr val="CC0000"/>
+                    </a:gs>
+                  </a:gsLst>
+                  <a:lin ang="5400000" scaled="1"/>
+                </a:gradFill>
+                <a:effectLst>
+                  <a:outerShdw blurRad="50800" dist="50800" dir="5400000" algn="ctr" rotWithShape="0">
+                    <a:schemeClr val="bg1"/>
+                  </a:outerShdw>
+                </a:effectLst>
                 <a:latin typeface="HGS明朝E" panose="02020900000000000000" pitchFamily="18" charset="-128"/>
                 <a:ea typeface="HGS明朝E" panose="02020900000000000000" pitchFamily="18" charset="-128"/>
               </a:rPr>
-              <a:t>敵の攻撃を</a:t>
-            </a:r>
-            <a:r>
-              <a:rPr lang="ja-JP" altLang="en-US" dirty="0">
+              <a:t>パリィ</a:t>
+            </a:r>
+            <a:r>
+              <a:rPr lang="ja-JP" altLang="en-US" sz="1600" dirty="0">
+                <a:ln w="0">
+                  <a:noFill/>
+                </a:ln>
+                <a:solidFill>
+                  <a:schemeClr val="bg1"/>
+                </a:solidFill>
+                <a:effectLst/>
                 <a:latin typeface="HGS明朝E" panose="02020900000000000000" pitchFamily="18" charset="-128"/>
                 <a:ea typeface="HGS明朝E" panose="02020900000000000000" pitchFamily="18" charset="-128"/>
               </a:rPr>
-              <a:t>巧みに捌く</a:t>
-            </a:r>
-            <a:endParaRPr kumimoji="1" lang="ja-JP" altLang="en-US" dirty="0">
-              <a:latin typeface="HGS明朝E" panose="02020900000000000000" pitchFamily="18" charset="-128"/>
-              <a:ea typeface="HGS明朝E" panose="02020900000000000000" pitchFamily="18" charset="-128"/>
-            </a:endParaRPr>
+              <a:t>で弾く！</a:t>
+            </a:r>
+          </a:p>
+        </p:txBody>
+      </p:sp>
+      <p:sp>
+        <p:nvSpPr>
+          <p:cNvPr id="41" name="テキスト ボックス 40">
+            <a:extLst>
+              <a:ext uri="{FF2B5EF4-FFF2-40B4-BE49-F238E27FC236}">
+                <a16:creationId xmlns:a16="http://schemas.microsoft.com/office/drawing/2014/main" id="{7CC0E699-E3B4-4F2B-95DB-F557AEAEC9F8}"/>
+              </a:ext>
+            </a:extLst>
+          </p:cNvPr>
+          <p:cNvSpPr txBox="1"/>
+          <p:nvPr/>
+        </p:nvSpPr>
+        <p:spPr>
+          <a:xfrm>
+            <a:off x="6308760" y="5932114"/>
+            <a:ext cx="3057247" cy="338554"/>
+          </a:xfrm>
+          <a:prstGeom prst="rect">
+            <a:avLst/>
+          </a:prstGeom>
+          <a:noFill/>
+        </p:spPr>
+        <p:txBody>
+          <a:bodyPr wrap="none" rtlCol="0">
+            <a:spAutoFit/>
+          </a:bodyPr>
+          <a:lstStyle/>
+          <a:p>
+            <a:r>
+              <a:rPr lang="ja-JP" altLang="en-US" sz="1600" dirty="0">
+                <a:ln w="0">
+                  <a:noFill/>
+                </a:ln>
+                <a:solidFill>
+                  <a:schemeClr val="bg1"/>
+                </a:solidFill>
+                <a:effectLst/>
+                <a:latin typeface="HGS明朝E" panose="02020900000000000000" pitchFamily="18" charset="-128"/>
+                <a:ea typeface="HGS明朝E" panose="02020900000000000000" pitchFamily="18" charset="-128"/>
+              </a:rPr>
+              <a:t>タイミングよく</a:t>
+            </a:r>
+            <a:r>
+              <a:rPr lang="ja-JP" altLang="en-US" sz="1600" dirty="0">
+                <a:ln w="0">
+                  <a:noFill/>
+                </a:ln>
+                <a:gradFill>
+                  <a:gsLst>
+                    <a:gs pos="0">
+                      <a:srgbClr val="F4D8D0"/>
+                    </a:gs>
+                    <a:gs pos="100000">
+                      <a:srgbClr val="CC0000"/>
+                    </a:gs>
+                  </a:gsLst>
+                  <a:lin ang="5400000" scaled="1"/>
+                </a:gradFill>
+                <a:effectLst>
+                  <a:outerShdw blurRad="50800" dist="50800" dir="5400000" algn="ctr" rotWithShape="0">
+                    <a:schemeClr val="bg1"/>
+                  </a:outerShdw>
+                </a:effectLst>
+                <a:latin typeface="HGS明朝E" panose="02020900000000000000" pitchFamily="18" charset="-128"/>
+                <a:ea typeface="HGS明朝E" panose="02020900000000000000" pitchFamily="18" charset="-128"/>
+              </a:rPr>
+              <a:t>ジャスト回避！</a:t>
+            </a:r>
           </a:p>
         </p:txBody>
       </p:sp>
@@ -6545,23 +7601,6 @@
 </file>
 
 <file path=customXml/item1.xml><?xml version="1.0" encoding="utf-8"?>
-<?mso-contentType ?>
-<FormTemplates xmlns="http://schemas.microsoft.com/sharepoint/v3/contenttype/forms">
-  <Display>DocumentLibraryForm</Display>
-  <Edit>DocumentLibraryForm</Edit>
-  <New>DocumentLibraryForm</New>
-</FormTemplates>
-</file>
-
-<file path=customXml/item2.xml><?xml version="1.0" encoding="utf-8"?>
-<p:properties xmlns:p="http://schemas.microsoft.com/office/2006/metadata/properties" xmlns:xsi="http://www.w3.org/2001/XMLSchema-instance" xmlns:pc="http://schemas.microsoft.com/office/infopath/2007/PartnerControls">
-  <documentManagement>
-    <_activity xmlns="599eecd9-2310-4b0b-9e92-9d18ba11b74d" xsi:nil="true"/>
-  </documentManagement>
-</p:properties>
-</file>
-
-<file path=customXml/item3.xml><?xml version="1.0" encoding="utf-8"?>
 <ct:contentTypeSchema xmlns:ct="http://schemas.microsoft.com/office/2006/metadata/contentType" xmlns:ma="http://schemas.microsoft.com/office/2006/metadata/properties/metaAttributes" ct:_="" ma:_="" ma:contentTypeName="ドキュメント" ma:contentTypeID="0x0101008AC1ACA19E75DE40A2955B34AFBB6978" ma:contentTypeVersion="11" ma:contentTypeDescription="新しいドキュメントを作成します。" ma:contentTypeScope="" ma:versionID="45d7ae050d4807d6f9ae25203d75298f">
   <xsd:schema xmlns:xsd="http://www.w3.org/2001/XMLSchema" xmlns:xs="http://www.w3.org/2001/XMLSchema" xmlns:p="http://schemas.microsoft.com/office/2006/metadata/properties" xmlns:ns3="599eecd9-2310-4b0b-9e92-9d18ba11b74d" targetNamespace="http://schemas.microsoft.com/office/2006/metadata/properties" ma:root="true" ma:fieldsID="44c22c89b2c5bdbdcfa9ee5c38a765c3" ns3:_="">
     <xsd:import namespace="599eecd9-2310-4b0b-9e92-9d18ba11b74d"/>
@@ -6749,10 +7788,37 @@
 </ct:contentTypeSchema>
 </file>
 
+<file path=customXml/item2.xml><?xml version="1.0" encoding="utf-8"?>
+<p:properties xmlns:p="http://schemas.microsoft.com/office/2006/metadata/properties" xmlns:xsi="http://www.w3.org/2001/XMLSchema-instance" xmlns:pc="http://schemas.microsoft.com/office/infopath/2007/PartnerControls">
+  <documentManagement>
+    <_activity xmlns="599eecd9-2310-4b0b-9e92-9d18ba11b74d" xsi:nil="true"/>
+  </documentManagement>
+</p:properties>
+</file>
+
+<file path=customXml/item3.xml><?xml version="1.0" encoding="utf-8"?>
+<?mso-contentType ?>
+<FormTemplates xmlns="http://schemas.microsoft.com/sharepoint/v3/contenttype/forms">
+  <Display>DocumentLibraryForm</Display>
+  <Edit>DocumentLibraryForm</Edit>
+  <New>DocumentLibraryForm</New>
+</FormTemplates>
+</file>
+
 <file path=customXml/itemProps1.xml><?xml version="1.0" encoding="utf-8"?>
-<ds:datastoreItem xmlns:ds="http://schemas.openxmlformats.org/officeDocument/2006/customXml" ds:itemID="{F41A5734-11E0-4D0E-B101-9C96F8DDA22E}">
+<ds:datastoreItem xmlns:ds="http://schemas.openxmlformats.org/officeDocument/2006/customXml" ds:itemID="{2B9AB07B-E9D3-4C2F-84F5-90F553112E2C}">
   <ds:schemaRefs>
-    <ds:schemaRef ds:uri="http://schemas.microsoft.com/sharepoint/v3/contenttype/forms"/>
+    <ds:schemaRef ds:uri="http://schemas.microsoft.com/office/2006/metadata/contentType"/>
+    <ds:schemaRef ds:uri="http://schemas.microsoft.com/office/2006/metadata/properties/metaAttributes"/>
+    <ds:schemaRef ds:uri="http://www.w3.org/2001/XMLSchema"/>
+    <ds:schemaRef ds:uri="http://schemas.microsoft.com/office/2006/metadata/properties"/>
+    <ds:schemaRef ds:uri="599eecd9-2310-4b0b-9e92-9d18ba11b74d"/>
+    <ds:schemaRef ds:uri="http://schemas.microsoft.com/office/2006/documentManagement/types"/>
+    <ds:schemaRef ds:uri="http://schemas.microsoft.com/office/infopath/2007/PartnerControls"/>
+    <ds:schemaRef ds:uri="http://schemas.openxmlformats.org/package/2006/metadata/core-properties"/>
+    <ds:schemaRef ds:uri="http://purl.org/dc/elements/1.1/"/>
+    <ds:schemaRef ds:uri="http://purl.org/dc/terms/"/>
+    <ds:schemaRef ds:uri="http://schemas.microsoft.com/internal/obd"/>
   </ds:schemaRefs>
 </ds:datastoreItem>
 </file>
@@ -6774,19 +7840,9 @@
 </file>
 
 <file path=customXml/itemProps3.xml><?xml version="1.0" encoding="utf-8"?>
-<ds:datastoreItem xmlns:ds="http://schemas.openxmlformats.org/officeDocument/2006/customXml" ds:itemID="{2B9AB07B-E9D3-4C2F-84F5-90F553112E2C}">
+<ds:datastoreItem xmlns:ds="http://schemas.openxmlformats.org/officeDocument/2006/customXml" ds:itemID="{F41A5734-11E0-4D0E-B101-9C96F8DDA22E}">
   <ds:schemaRefs>
-    <ds:schemaRef ds:uri="http://schemas.microsoft.com/office/2006/metadata/contentType"/>
-    <ds:schemaRef ds:uri="http://schemas.microsoft.com/office/2006/metadata/properties/metaAttributes"/>
-    <ds:schemaRef ds:uri="http://www.w3.org/2001/XMLSchema"/>
-    <ds:schemaRef ds:uri="http://schemas.microsoft.com/office/2006/metadata/properties"/>
-    <ds:schemaRef ds:uri="599eecd9-2310-4b0b-9e92-9d18ba11b74d"/>
-    <ds:schemaRef ds:uri="http://schemas.microsoft.com/office/2006/documentManagement/types"/>
-    <ds:schemaRef ds:uri="http://schemas.microsoft.com/office/infopath/2007/PartnerControls"/>
-    <ds:schemaRef ds:uri="http://schemas.openxmlformats.org/package/2006/metadata/core-properties"/>
-    <ds:schemaRef ds:uri="http://purl.org/dc/elements/1.1/"/>
-    <ds:schemaRef ds:uri="http://purl.org/dc/terms/"/>
-    <ds:schemaRef ds:uri="http://schemas.microsoft.com/internal/obd"/>
+    <ds:schemaRef ds:uri="http://schemas.microsoft.com/sharepoint/v3/contenttype/forms"/>
   </ds:schemaRefs>
 </ds:datastoreItem>
 </file>
--- a/Blade Maiden.pptx
+++ b/Blade Maiden.pptx
@@ -6081,6 +6081,115 @@
           </a:p>
         </p:txBody>
       </p:sp>
+      <p:sp>
+        <p:nvSpPr>
+          <p:cNvPr id="2" name="テキスト ボックス 1">
+            <a:extLst>
+              <a:ext uri="{FF2B5EF4-FFF2-40B4-BE49-F238E27FC236}">
+                <a16:creationId xmlns:a16="http://schemas.microsoft.com/office/drawing/2014/main" id="{BC999CFF-A3DD-4CA6-9135-E737A05355DE}"/>
+              </a:ext>
+            </a:extLst>
+          </p:cNvPr>
+          <p:cNvSpPr txBox="1"/>
+          <p:nvPr/>
+        </p:nvSpPr>
+        <p:spPr>
+          <a:xfrm>
+            <a:off x="9662121" y="5900624"/>
+            <a:ext cx="2441694" cy="338554"/>
+          </a:xfrm>
+          <a:prstGeom prst="rect">
+            <a:avLst/>
+          </a:prstGeom>
+          <a:noFill/>
+        </p:spPr>
+        <p:txBody>
+          <a:bodyPr wrap="none" rtlCol="0">
+            <a:spAutoFit/>
+          </a:bodyPr>
+          <a:lstStyle/>
+          <a:p>
+            <a:r>
+              <a:rPr lang="ja-JP" altLang="en-US" sz="1600" dirty="0">
+                <a:ln w="0">
+                  <a:noFill/>
+                </a:ln>
+                <a:solidFill>
+                  <a:schemeClr val="bg1"/>
+                </a:solidFill>
+                <a:latin typeface="HGS明朝E" panose="02020900000000000000" pitchFamily="18" charset="-128"/>
+                <a:ea typeface="HGS明朝E" panose="02020900000000000000" pitchFamily="18" charset="-128"/>
+              </a:rPr>
+              <a:t>突きは</a:t>
+            </a:r>
+            <a:r>
+              <a:rPr lang="ja-JP" altLang="en-US" sz="1600" dirty="0">
+                <a:ln w="0">
+                  <a:noFill/>
+                </a:ln>
+                <a:gradFill>
+                  <a:gsLst>
+                    <a:gs pos="0">
+                      <a:srgbClr val="F4D8D0"/>
+                    </a:gs>
+                    <a:gs pos="100000">
+                      <a:srgbClr val="CC0000"/>
+                    </a:gs>
+                  </a:gsLst>
+                  <a:lin ang="5400000" scaled="1"/>
+                </a:gradFill>
+                <a:effectLst>
+                  <a:outerShdw blurRad="50800" dist="50800" dir="5400000" algn="ctr" rotWithShape="0">
+                    <a:schemeClr val="bg1"/>
+                  </a:outerShdw>
+                </a:effectLst>
+                <a:latin typeface="HGS明朝E" panose="02020900000000000000" pitchFamily="18" charset="-128"/>
+                <a:ea typeface="HGS明朝E" panose="02020900000000000000" pitchFamily="18" charset="-128"/>
+              </a:rPr>
+              <a:t>パリィ</a:t>
+            </a:r>
+            <a:r>
+              <a:rPr lang="ja-JP" altLang="en-US" sz="1600" dirty="0">
+                <a:ln w="0">
+                  <a:noFill/>
+                </a:ln>
+                <a:solidFill>
+                  <a:schemeClr val="bg1"/>
+                </a:solidFill>
+                <a:latin typeface="HGS明朝E" panose="02020900000000000000" pitchFamily="18" charset="-128"/>
+                <a:ea typeface="HGS明朝E" panose="02020900000000000000" pitchFamily="18" charset="-128"/>
+              </a:rPr>
+              <a:t>で</a:t>
+            </a:r>
+            <a:r>
+              <a:rPr lang="ja-JP" altLang="en-US" sz="1600" dirty="0">
+                <a:ln w="0">
+                  <a:noFill/>
+                </a:ln>
+                <a:gradFill>
+                  <a:gsLst>
+                    <a:gs pos="0">
+                      <a:srgbClr val="F4D8D0"/>
+                    </a:gs>
+                    <a:gs pos="100000">
+                      <a:srgbClr val="CC0000"/>
+                    </a:gs>
+                  </a:gsLst>
+                  <a:lin ang="5400000" scaled="1"/>
+                </a:gradFill>
+                <a:effectLst>
+                  <a:outerShdw blurRad="50800" dist="50800" dir="5400000" algn="ctr" rotWithShape="0">
+                    <a:schemeClr val="bg1"/>
+                  </a:outerShdw>
+                </a:effectLst>
+                <a:latin typeface="HGS明朝E" panose="02020900000000000000" pitchFamily="18" charset="-128"/>
+                <a:ea typeface="HGS明朝E" panose="02020900000000000000" pitchFamily="18" charset="-128"/>
+              </a:rPr>
+              <a:t>いなす！</a:t>
+            </a:r>
+          </a:p>
+        </p:txBody>
+      </p:sp>
     </p:spTree>
     <p:extLst>
       <p:ext uri="{BB962C8B-B14F-4D97-AF65-F5344CB8AC3E}">
@@ -6254,6 +6363,68 @@
           </p:spPr>
         </p:pic>
       </p:grpSp>
+      <p:sp>
+        <p:nvSpPr>
+          <p:cNvPr id="8" name="テキスト ボックス 7">
+            <a:extLst>
+              <a:ext uri="{FF2B5EF4-FFF2-40B4-BE49-F238E27FC236}">
+                <a16:creationId xmlns:a16="http://schemas.microsoft.com/office/drawing/2014/main" id="{C3436984-F57E-4B7F-9058-BD623DFE8DDD}"/>
+              </a:ext>
+            </a:extLst>
+          </p:cNvPr>
+          <p:cNvSpPr txBox="1"/>
+          <p:nvPr/>
+        </p:nvSpPr>
+        <p:spPr>
+          <a:xfrm>
+            <a:off x="370994" y="-66197"/>
+            <a:ext cx="2626040" cy="707886"/>
+          </a:xfrm>
+          <a:prstGeom prst="rect">
+            <a:avLst/>
+          </a:prstGeom>
+          <a:noFill/>
+        </p:spPr>
+        <p:txBody>
+          <a:bodyPr wrap="none" rtlCol="0">
+            <a:spAutoFit/>
+          </a:bodyPr>
+          <a:lstStyle/>
+          <a:p>
+            <a:r>
+              <a:rPr lang="ja-JP" altLang="en-US" sz="4000" dirty="0">
+                <a:solidFill>
+                  <a:schemeClr val="bg1"/>
+                </a:solidFill>
+                <a:effectLst>
+                  <a:glow rad="63500">
+                    <a:schemeClr val="tx1">
+                      <a:alpha val="40000"/>
+                    </a:schemeClr>
+                  </a:glow>
+                </a:effectLst>
+                <a:latin typeface="HGP明朝E" panose="02020900000000000000" pitchFamily="18" charset="-128"/>
+                <a:ea typeface="HGP明朝E" panose="02020900000000000000" pitchFamily="18" charset="-128"/>
+              </a:rPr>
+              <a:t>ゲーム概要</a:t>
+            </a:r>
+            <a:endParaRPr kumimoji="1" lang="ja-JP" altLang="en-US" sz="4000" dirty="0">
+              <a:solidFill>
+                <a:schemeClr val="bg1"/>
+              </a:solidFill>
+              <a:effectLst>
+                <a:glow rad="63500">
+                  <a:schemeClr val="tx1">
+                    <a:alpha val="40000"/>
+                  </a:schemeClr>
+                </a:glow>
+              </a:effectLst>
+              <a:latin typeface="HGP明朝E" panose="02020900000000000000" pitchFamily="18" charset="-128"/>
+              <a:ea typeface="HGP明朝E" panose="02020900000000000000" pitchFamily="18" charset="-128"/>
+            </a:endParaRPr>
+          </a:p>
+        </p:txBody>
+      </p:sp>
     </p:spTree>
     <p:extLst>
       <p:ext uri="{BB962C8B-B14F-4D97-AF65-F5344CB8AC3E}">
@@ -7601,6 +7772,23 @@
 </file>
 
 <file path=customXml/item1.xml><?xml version="1.0" encoding="utf-8"?>
+<?mso-contentType ?>
+<FormTemplates xmlns="http://schemas.microsoft.com/sharepoint/v3/contenttype/forms">
+  <Display>DocumentLibraryForm</Display>
+  <Edit>DocumentLibraryForm</Edit>
+  <New>DocumentLibraryForm</New>
+</FormTemplates>
+</file>
+
+<file path=customXml/item2.xml><?xml version="1.0" encoding="utf-8"?>
+<p:properties xmlns:p="http://schemas.microsoft.com/office/2006/metadata/properties" xmlns:xsi="http://www.w3.org/2001/XMLSchema-instance" xmlns:pc="http://schemas.microsoft.com/office/infopath/2007/PartnerControls">
+  <documentManagement>
+    <_activity xmlns="599eecd9-2310-4b0b-9e92-9d18ba11b74d" xsi:nil="true"/>
+  </documentManagement>
+</p:properties>
+</file>
+
+<file path=customXml/item3.xml><?xml version="1.0" encoding="utf-8"?>
 <ct:contentTypeSchema xmlns:ct="http://schemas.microsoft.com/office/2006/metadata/contentType" xmlns:ma="http://schemas.microsoft.com/office/2006/metadata/properties/metaAttributes" ct:_="" ma:_="" ma:contentTypeName="ドキュメント" ma:contentTypeID="0x0101008AC1ACA19E75DE40A2955B34AFBB6978" ma:contentTypeVersion="11" ma:contentTypeDescription="新しいドキュメントを作成します。" ma:contentTypeScope="" ma:versionID="45d7ae050d4807d6f9ae25203d75298f">
   <xsd:schema xmlns:xsd="http://www.w3.org/2001/XMLSchema" xmlns:xs="http://www.w3.org/2001/XMLSchema" xmlns:p="http://schemas.microsoft.com/office/2006/metadata/properties" xmlns:ns3="599eecd9-2310-4b0b-9e92-9d18ba11b74d" targetNamespace="http://schemas.microsoft.com/office/2006/metadata/properties" ma:root="true" ma:fieldsID="44c22c89b2c5bdbdcfa9ee5c38a765c3" ns3:_="">
     <xsd:import namespace="599eecd9-2310-4b0b-9e92-9d18ba11b74d"/>
@@ -7788,37 +7976,10 @@
 </ct:contentTypeSchema>
 </file>
 
-<file path=customXml/item2.xml><?xml version="1.0" encoding="utf-8"?>
-<p:properties xmlns:p="http://schemas.microsoft.com/office/2006/metadata/properties" xmlns:xsi="http://www.w3.org/2001/XMLSchema-instance" xmlns:pc="http://schemas.microsoft.com/office/infopath/2007/PartnerControls">
-  <documentManagement>
-    <_activity xmlns="599eecd9-2310-4b0b-9e92-9d18ba11b74d" xsi:nil="true"/>
-  </documentManagement>
-</p:properties>
-</file>
-
-<file path=customXml/item3.xml><?xml version="1.0" encoding="utf-8"?>
-<?mso-contentType ?>
-<FormTemplates xmlns="http://schemas.microsoft.com/sharepoint/v3/contenttype/forms">
-  <Display>DocumentLibraryForm</Display>
-  <Edit>DocumentLibraryForm</Edit>
-  <New>DocumentLibraryForm</New>
-</FormTemplates>
-</file>
-
 <file path=customXml/itemProps1.xml><?xml version="1.0" encoding="utf-8"?>
-<ds:datastoreItem xmlns:ds="http://schemas.openxmlformats.org/officeDocument/2006/customXml" ds:itemID="{2B9AB07B-E9D3-4C2F-84F5-90F553112E2C}">
+<ds:datastoreItem xmlns:ds="http://schemas.openxmlformats.org/officeDocument/2006/customXml" ds:itemID="{F41A5734-11E0-4D0E-B101-9C96F8DDA22E}">
   <ds:schemaRefs>
-    <ds:schemaRef ds:uri="http://schemas.microsoft.com/office/2006/metadata/contentType"/>
-    <ds:schemaRef ds:uri="http://schemas.microsoft.com/office/2006/metadata/properties/metaAttributes"/>
-    <ds:schemaRef ds:uri="http://www.w3.org/2001/XMLSchema"/>
-    <ds:schemaRef ds:uri="http://schemas.microsoft.com/office/2006/metadata/properties"/>
-    <ds:schemaRef ds:uri="599eecd9-2310-4b0b-9e92-9d18ba11b74d"/>
-    <ds:schemaRef ds:uri="http://schemas.microsoft.com/office/2006/documentManagement/types"/>
-    <ds:schemaRef ds:uri="http://schemas.microsoft.com/office/infopath/2007/PartnerControls"/>
-    <ds:schemaRef ds:uri="http://schemas.openxmlformats.org/package/2006/metadata/core-properties"/>
-    <ds:schemaRef ds:uri="http://purl.org/dc/elements/1.1/"/>
-    <ds:schemaRef ds:uri="http://purl.org/dc/terms/"/>
-    <ds:schemaRef ds:uri="http://schemas.microsoft.com/internal/obd"/>
+    <ds:schemaRef ds:uri="http://schemas.microsoft.com/sharepoint/v3/contenttype/forms"/>
   </ds:schemaRefs>
 </ds:datastoreItem>
 </file>
@@ -7840,9 +8001,19 @@
 </file>
 
 <file path=customXml/itemProps3.xml><?xml version="1.0" encoding="utf-8"?>
-<ds:datastoreItem xmlns:ds="http://schemas.openxmlformats.org/officeDocument/2006/customXml" ds:itemID="{F41A5734-11E0-4D0E-B101-9C96F8DDA22E}">
+<ds:datastoreItem xmlns:ds="http://schemas.openxmlformats.org/officeDocument/2006/customXml" ds:itemID="{2B9AB07B-E9D3-4C2F-84F5-90F553112E2C}">
   <ds:schemaRefs>
-    <ds:schemaRef ds:uri="http://schemas.microsoft.com/sharepoint/v3/contenttype/forms"/>
+    <ds:schemaRef ds:uri="http://schemas.microsoft.com/office/2006/metadata/contentType"/>
+    <ds:schemaRef ds:uri="http://schemas.microsoft.com/office/2006/metadata/properties/metaAttributes"/>
+    <ds:schemaRef ds:uri="http://www.w3.org/2001/XMLSchema"/>
+    <ds:schemaRef ds:uri="http://schemas.microsoft.com/office/2006/metadata/properties"/>
+    <ds:schemaRef ds:uri="599eecd9-2310-4b0b-9e92-9d18ba11b74d"/>
+    <ds:schemaRef ds:uri="http://schemas.microsoft.com/office/2006/documentManagement/types"/>
+    <ds:schemaRef ds:uri="http://schemas.microsoft.com/office/infopath/2007/PartnerControls"/>
+    <ds:schemaRef ds:uri="http://schemas.openxmlformats.org/package/2006/metadata/core-properties"/>
+    <ds:schemaRef ds:uri="http://purl.org/dc/elements/1.1/"/>
+    <ds:schemaRef ds:uri="http://purl.org/dc/terms/"/>
+    <ds:schemaRef ds:uri="http://schemas.microsoft.com/internal/obd"/>
   </ds:schemaRefs>
 </ds:datastoreItem>
 </file>